--- a/docs/data_flow.pptx
+++ b/docs/data_flow.pptx
@@ -288,7 +288,7 @@
           <a:p>
             <a:fld id="{BB8F1B3F-F425-43A1-A5D6-4A28EB036C8A}" type="datetimeFigureOut">
               <a:rPr lang="en-US" smtClean="0"/>
-              <a:t>2010-06-07</a:t>
+              <a:t>2010-06-10</a:t>
             </a:fld>
             <a:endParaRPr lang="en-US"/>
           </a:p>
@@ -458,7 +458,7 @@
           <a:p>
             <a:fld id="{BB8F1B3F-F425-43A1-A5D6-4A28EB036C8A}" type="datetimeFigureOut">
               <a:rPr lang="en-US" smtClean="0"/>
-              <a:t>2010-06-07</a:t>
+              <a:t>2010-06-10</a:t>
             </a:fld>
             <a:endParaRPr lang="en-US"/>
           </a:p>
@@ -638,7 +638,7 @@
           <a:p>
             <a:fld id="{BB8F1B3F-F425-43A1-A5D6-4A28EB036C8A}" type="datetimeFigureOut">
               <a:rPr lang="en-US" smtClean="0"/>
-              <a:t>2010-06-07</a:t>
+              <a:t>2010-06-10</a:t>
             </a:fld>
             <a:endParaRPr lang="en-US"/>
           </a:p>
@@ -808,7 +808,7 @@
           <a:p>
             <a:fld id="{BB8F1B3F-F425-43A1-A5D6-4A28EB036C8A}" type="datetimeFigureOut">
               <a:rPr lang="en-US" smtClean="0"/>
-              <a:t>2010-06-07</a:t>
+              <a:t>2010-06-10</a:t>
             </a:fld>
             <a:endParaRPr lang="en-US"/>
           </a:p>
@@ -1054,7 +1054,7 @@
           <a:p>
             <a:fld id="{BB8F1B3F-F425-43A1-A5D6-4A28EB036C8A}" type="datetimeFigureOut">
               <a:rPr lang="en-US" smtClean="0"/>
-              <a:t>2010-06-07</a:t>
+              <a:t>2010-06-10</a:t>
             </a:fld>
             <a:endParaRPr lang="en-US"/>
           </a:p>
@@ -1342,7 +1342,7 @@
           <a:p>
             <a:fld id="{BB8F1B3F-F425-43A1-A5D6-4A28EB036C8A}" type="datetimeFigureOut">
               <a:rPr lang="en-US" smtClean="0"/>
-              <a:t>2010-06-07</a:t>
+              <a:t>2010-06-10</a:t>
             </a:fld>
             <a:endParaRPr lang="en-US"/>
           </a:p>
@@ -1769,7 +1769,7 @@
           <a:p>
             <a:fld id="{BB8F1B3F-F425-43A1-A5D6-4A28EB036C8A}" type="datetimeFigureOut">
               <a:rPr lang="en-US" smtClean="0"/>
-              <a:t>2010-06-07</a:t>
+              <a:t>2010-06-10</a:t>
             </a:fld>
             <a:endParaRPr lang="en-US"/>
           </a:p>
@@ -1887,7 +1887,7 @@
           <a:p>
             <a:fld id="{BB8F1B3F-F425-43A1-A5D6-4A28EB036C8A}" type="datetimeFigureOut">
               <a:rPr lang="en-US" smtClean="0"/>
-              <a:t>2010-06-07</a:t>
+              <a:t>2010-06-10</a:t>
             </a:fld>
             <a:endParaRPr lang="en-US"/>
           </a:p>
@@ -1982,7 +1982,7 @@
           <a:p>
             <a:fld id="{BB8F1B3F-F425-43A1-A5D6-4A28EB036C8A}" type="datetimeFigureOut">
               <a:rPr lang="en-US" smtClean="0"/>
-              <a:t>2010-06-07</a:t>
+              <a:t>2010-06-10</a:t>
             </a:fld>
             <a:endParaRPr lang="en-US"/>
           </a:p>
@@ -2259,7 +2259,7 @@
           <a:p>
             <a:fld id="{BB8F1B3F-F425-43A1-A5D6-4A28EB036C8A}" type="datetimeFigureOut">
               <a:rPr lang="en-US" smtClean="0"/>
-              <a:t>2010-06-07</a:t>
+              <a:t>2010-06-10</a:t>
             </a:fld>
             <a:endParaRPr lang="en-US"/>
           </a:p>
@@ -2512,7 +2512,7 @@
           <a:p>
             <a:fld id="{BB8F1B3F-F425-43A1-A5D6-4A28EB036C8A}" type="datetimeFigureOut">
               <a:rPr lang="en-US" smtClean="0"/>
-              <a:t>2010-06-07</a:t>
+              <a:t>2010-06-10</a:t>
             </a:fld>
             <a:endParaRPr lang="en-US"/>
           </a:p>
@@ -2725,7 +2725,7 @@
           <a:p>
             <a:fld id="{BB8F1B3F-F425-43A1-A5D6-4A28EB036C8A}" type="datetimeFigureOut">
               <a:rPr lang="en-US" smtClean="0"/>
-              <a:t>2010-06-07</a:t>
+              <a:t>2010-06-10</a:t>
             </a:fld>
             <a:endParaRPr lang="en-US"/>
           </a:p>
@@ -3220,8 +3220,8 @@
         </p:nvSpPr>
         <p:spPr>
           <a:xfrm>
-            <a:off x="1476986" y="2924788"/>
-            <a:ext cx="717120" cy="461665"/>
+            <a:off x="1501544" y="2924788"/>
+            <a:ext cx="668003" cy="461665"/>
           </a:xfrm>
           <a:prstGeom prst="rect">
             <a:avLst/>
@@ -3241,8 +3241,13 @@
                 <a:ea typeface="Tahoma" pitchFamily="34" charset="0"/>
                 <a:cs typeface="Tahoma" pitchFamily="34" charset="0"/>
               </a:rPr>
-              <a:t>Minerva</a:t>
-            </a:r>
+              <a:t>Client</a:t>
+            </a:r>
+            <a:endParaRPr lang="en-US" sz="1200" dirty="0" smtClean="0">
+              <a:latin typeface="Tahoma" pitchFamily="34" charset="0"/>
+              <a:ea typeface="Tahoma" pitchFamily="34" charset="0"/>
+              <a:cs typeface="Tahoma" pitchFamily="34" charset="0"/>
+            </a:endParaRPr>
           </a:p>
           <a:p>
             <a:pPr algn="ctr"/>
@@ -3270,7 +3275,7 @@
         </p:nvSpPr>
         <p:spPr>
           <a:xfrm>
-            <a:off x="797441" y="2215173"/>
+            <a:off x="797441" y="2119923"/>
             <a:ext cx="2098159" cy="553998"/>
           </a:xfrm>
           <a:prstGeom prst="rect">
@@ -3290,7 +3295,15 @@
                 <a:ea typeface="Tahoma" pitchFamily="34" charset="0"/>
                 <a:cs typeface="Tahoma" pitchFamily="34" charset="0"/>
               </a:rPr>
-              <a:t>Stream creates transports.</a:t>
+              <a:t>Client Stream </a:t>
+            </a:r>
+            <a:r>
+              <a:rPr lang="en-US" sz="1000" dirty="0" smtClean="0">
+                <a:latin typeface="Tahoma" pitchFamily="34" charset="0"/>
+                <a:ea typeface="Tahoma" pitchFamily="34" charset="0"/>
+                <a:cs typeface="Tahoma" pitchFamily="34" charset="0"/>
+              </a:rPr>
+              <a:t>creates transports.</a:t>
             </a:r>
           </a:p>
           <a:p>
@@ -3539,7 +3552,7 @@
         </p:nvSpPr>
         <p:spPr>
           <a:xfrm>
-            <a:off x="2819402" y="2696188"/>
+            <a:off x="2886077" y="2696188"/>
             <a:ext cx="800797" cy="461665"/>
           </a:xfrm>
           <a:prstGeom prst="rect">
@@ -3589,7 +3602,7 @@
         </p:nvSpPr>
         <p:spPr>
           <a:xfrm>
-            <a:off x="2722390" y="3079203"/>
+            <a:off x="2789065" y="3079203"/>
             <a:ext cx="1015022" cy="461665"/>
           </a:xfrm>
           <a:prstGeom prst="rect">
@@ -3683,8 +3696,8 @@
         </p:nvSpPr>
         <p:spPr>
           <a:xfrm>
-            <a:off x="2819400" y="1805226"/>
-            <a:ext cx="1828800" cy="861774"/>
+            <a:off x="2809875" y="1805226"/>
+            <a:ext cx="1817208" cy="861774"/>
           </a:xfrm>
           <a:prstGeom prst="rect">
             <a:avLst/>
@@ -3703,227 +3716,87 @@
                 <a:ea typeface="Tahoma" pitchFamily="34" charset="0"/>
                 <a:cs typeface="Tahoma" pitchFamily="34" charset="0"/>
               </a:rPr>
-              <a:t>Primary receives strings. Secondary transport only needed if primary is HTTP. Can’t upload data over an already-open HTTP request.</a:t>
+              <a:t>Primary receives strings. Secondary transport </a:t>
+            </a:r>
+            <a:r>
+              <a:rPr lang="en-US" sz="1000" dirty="0" smtClean="0">
+                <a:latin typeface="Tahoma" pitchFamily="34" charset="0"/>
+                <a:ea typeface="Tahoma" pitchFamily="34" charset="0"/>
+                <a:cs typeface="Tahoma" pitchFamily="34" charset="0"/>
+              </a:rPr>
+              <a:t>is only </a:t>
+            </a:r>
+            <a:r>
+              <a:rPr lang="en-US" sz="1000" dirty="0" smtClean="0">
+                <a:latin typeface="Tahoma" pitchFamily="34" charset="0"/>
+                <a:ea typeface="Tahoma" pitchFamily="34" charset="0"/>
+                <a:cs typeface="Tahoma" pitchFamily="34" charset="0"/>
+              </a:rPr>
+              <a:t>needed if primary is </a:t>
+            </a:r>
+            <a:r>
+              <a:rPr lang="en-US" sz="1000" dirty="0" smtClean="0">
+                <a:latin typeface="Tahoma" pitchFamily="34" charset="0"/>
+                <a:ea typeface="Tahoma" pitchFamily="34" charset="0"/>
+                <a:cs typeface="Tahoma" pitchFamily="34" charset="0"/>
+              </a:rPr>
+              <a:t>HTTP,</a:t>
+            </a:r>
+          </a:p>
+          <a:p>
+            <a:r>
+              <a:rPr lang="en-US" sz="1000" dirty="0" smtClean="0">
+                <a:latin typeface="Tahoma" pitchFamily="34" charset="0"/>
+                <a:ea typeface="Tahoma" pitchFamily="34" charset="0"/>
+                <a:cs typeface="Tahoma" pitchFamily="34" charset="0"/>
+              </a:rPr>
+              <a:t>because </a:t>
+            </a:r>
+            <a:r>
+              <a:rPr lang="en-US" sz="1000" dirty="0">
+                <a:latin typeface="Tahoma" pitchFamily="34" charset="0"/>
+                <a:ea typeface="Tahoma" pitchFamily="34" charset="0"/>
+                <a:cs typeface="Tahoma" pitchFamily="34" charset="0"/>
+              </a:rPr>
+              <a:t>c</a:t>
+            </a:r>
+            <a:r>
+              <a:rPr lang="en-US" sz="1000" dirty="0" smtClean="0">
+                <a:latin typeface="Tahoma" pitchFamily="34" charset="0"/>
+                <a:ea typeface="Tahoma" pitchFamily="34" charset="0"/>
+                <a:cs typeface="Tahoma" pitchFamily="34" charset="0"/>
+              </a:rPr>
+              <a:t>an’t </a:t>
+            </a:r>
+            <a:r>
+              <a:rPr lang="en-US" sz="1000" dirty="0" smtClean="0">
+                <a:latin typeface="Tahoma" pitchFamily="34" charset="0"/>
+                <a:ea typeface="Tahoma" pitchFamily="34" charset="0"/>
+                <a:cs typeface="Tahoma" pitchFamily="34" charset="0"/>
+              </a:rPr>
+              <a:t>upload data </a:t>
+            </a:r>
+            <a:r>
+              <a:rPr lang="en-US" sz="1000" dirty="0" smtClean="0">
+                <a:latin typeface="Tahoma" pitchFamily="34" charset="0"/>
+                <a:ea typeface="Tahoma" pitchFamily="34" charset="0"/>
+                <a:cs typeface="Tahoma" pitchFamily="34" charset="0"/>
+              </a:rPr>
+              <a:t>after opening HTTP </a:t>
+            </a:r>
+            <a:r>
+              <a:rPr lang="en-US" sz="1000" dirty="0" smtClean="0">
+                <a:latin typeface="Tahoma" pitchFamily="34" charset="0"/>
+                <a:ea typeface="Tahoma" pitchFamily="34" charset="0"/>
+                <a:cs typeface="Tahoma" pitchFamily="34" charset="0"/>
+              </a:rPr>
+              <a:t>request.</a:t>
             </a:r>
             <a:endParaRPr lang="en-US" sz="1000" dirty="0">
               <a:latin typeface="Tahoma" pitchFamily="34" charset="0"/>
               <a:ea typeface="Tahoma" pitchFamily="34" charset="0"/>
               <a:cs typeface="Tahoma" pitchFamily="34" charset="0"/>
             </a:endParaRPr>
-          </a:p>
-        </p:txBody>
-      </p:sp>
-      <p:cxnSp>
-        <p:nvCxnSpPr>
-          <p:cNvPr id="18" name="Straight Arrow Connector 17"/>
-          <p:cNvCxnSpPr/>
-          <p:nvPr/>
-        </p:nvCxnSpPr>
-        <p:spPr>
-          <a:xfrm>
-            <a:off x="3660224" y="2877768"/>
-            <a:ext cx="586737" cy="0"/>
-          </a:xfrm>
-          <a:prstGeom prst="straightConnector1">
-            <a:avLst/>
-          </a:prstGeom>
-          <a:ln w="19050" cap="flat">
-            <a:solidFill>
-              <a:schemeClr val="tx1"/>
-            </a:solidFill>
-            <a:round/>
-            <a:tailEnd type="triangle"/>
-          </a:ln>
-        </p:spPr>
-        <p:style>
-          <a:lnRef idx="1">
-            <a:schemeClr val="accent1"/>
-          </a:lnRef>
-          <a:fillRef idx="0">
-            <a:schemeClr val="accent1"/>
-          </a:fillRef>
-          <a:effectRef idx="0">
-            <a:schemeClr val="accent1"/>
-          </a:effectRef>
-          <a:fontRef idx="minor">
-            <a:schemeClr val="tx1"/>
-          </a:fontRef>
-        </p:style>
-      </p:cxnSp>
-      <p:cxnSp>
-        <p:nvCxnSpPr>
-          <p:cNvPr id="19" name="Straight Arrow Connector 18"/>
-          <p:cNvCxnSpPr/>
-          <p:nvPr/>
-        </p:nvCxnSpPr>
-        <p:spPr>
-          <a:xfrm flipH="1">
-            <a:off x="3657602" y="2953968"/>
-            <a:ext cx="586739" cy="0"/>
-          </a:xfrm>
-          <a:prstGeom prst="straightConnector1">
-            <a:avLst/>
-          </a:prstGeom>
-          <a:ln w="19050" cap="flat">
-            <a:solidFill>
-              <a:schemeClr val="tx1"/>
-            </a:solidFill>
-            <a:round/>
-            <a:tailEnd type="triangle"/>
-          </a:ln>
-        </p:spPr>
-        <p:style>
-          <a:lnRef idx="1">
-            <a:schemeClr val="accent1"/>
-          </a:lnRef>
-          <a:fillRef idx="0">
-            <a:schemeClr val="accent1"/>
-          </a:fillRef>
-          <a:effectRef idx="0">
-            <a:schemeClr val="accent1"/>
-          </a:effectRef>
-          <a:fontRef idx="minor">
-            <a:schemeClr val="tx1"/>
-          </a:fontRef>
-        </p:style>
-      </p:cxnSp>
-      <p:cxnSp>
-        <p:nvCxnSpPr>
-          <p:cNvPr id="20" name="Straight Arrow Connector 19"/>
-          <p:cNvCxnSpPr/>
-          <p:nvPr/>
-        </p:nvCxnSpPr>
-        <p:spPr>
-          <a:xfrm>
-            <a:off x="3675921" y="3254303"/>
-            <a:ext cx="586737" cy="0"/>
-          </a:xfrm>
-          <a:prstGeom prst="straightConnector1">
-            <a:avLst/>
-          </a:prstGeom>
-          <a:ln w="19050" cap="flat">
-            <a:solidFill>
-              <a:schemeClr val="tx1"/>
-            </a:solidFill>
-            <a:round/>
-            <a:tailEnd type="triangle"/>
-          </a:ln>
-        </p:spPr>
-        <p:style>
-          <a:lnRef idx="1">
-            <a:schemeClr val="accent1"/>
-          </a:lnRef>
-          <a:fillRef idx="0">
-            <a:schemeClr val="accent1"/>
-          </a:fillRef>
-          <a:effectRef idx="0">
-            <a:schemeClr val="accent1"/>
-          </a:effectRef>
-          <a:fontRef idx="minor">
-            <a:schemeClr val="tx1"/>
-          </a:fontRef>
-        </p:style>
-      </p:cxnSp>
-      <p:cxnSp>
-        <p:nvCxnSpPr>
-          <p:cNvPr id="21" name="Straight Arrow Connector 20"/>
-          <p:cNvCxnSpPr/>
-          <p:nvPr/>
-        </p:nvCxnSpPr>
-        <p:spPr>
-          <a:xfrm flipH="1">
-            <a:off x="3673299" y="3340231"/>
-            <a:ext cx="586739" cy="0"/>
-          </a:xfrm>
-          <a:prstGeom prst="straightConnector1">
-            <a:avLst/>
-          </a:prstGeom>
-          <a:ln w="19050" cap="flat">
-            <a:solidFill>
-              <a:schemeClr val="tx1"/>
-            </a:solidFill>
-            <a:round/>
-            <a:tailEnd type="triangle"/>
-          </a:ln>
-        </p:spPr>
-        <p:style>
-          <a:lnRef idx="1">
-            <a:schemeClr val="accent1"/>
-          </a:lnRef>
-          <a:fillRef idx="0">
-            <a:schemeClr val="accent1"/>
-          </a:fillRef>
-          <a:effectRef idx="0">
-            <a:schemeClr val="accent1"/>
-          </a:effectRef>
-          <a:fontRef idx="minor">
-            <a:schemeClr val="tx1"/>
-          </a:fontRef>
-        </p:style>
-      </p:cxnSp>
-      <p:sp>
-        <p:nvSpPr>
-          <p:cNvPr id="22" name="TextBox 21"/>
-          <p:cNvSpPr txBox="1"/>
-          <p:nvPr/>
-        </p:nvSpPr>
-        <p:spPr>
-          <a:xfrm>
-            <a:off x="4235482" y="2771005"/>
-            <a:ext cx="869918" cy="276999"/>
-          </a:xfrm>
-          <a:prstGeom prst="rect">
-            <a:avLst/>
-          </a:prstGeom>
-          <a:noFill/>
-        </p:spPr>
-        <p:txBody>
-          <a:bodyPr wrap="none" rtlCol="0">
-            <a:spAutoFit/>
-          </a:bodyPr>
-          <a:lstStyle/>
-          <a:p>
-            <a:r>
-              <a:rPr lang="en-US" sz="1200" dirty="0" smtClean="0">
-                <a:latin typeface="Tahoma" pitchFamily="34" charset="0"/>
-                <a:ea typeface="Tahoma" pitchFamily="34" charset="0"/>
-                <a:cs typeface="Tahoma" pitchFamily="34" charset="0"/>
-              </a:rPr>
-              <a:t>TCP/HTTP</a:t>
-            </a:r>
-          </a:p>
-        </p:txBody>
-      </p:sp>
-      <p:sp>
-        <p:nvSpPr>
-          <p:cNvPr id="23" name="TextBox 22"/>
-          <p:cNvSpPr txBox="1"/>
-          <p:nvPr/>
-        </p:nvSpPr>
-        <p:spPr>
-          <a:xfrm>
-            <a:off x="4232234" y="3130316"/>
-            <a:ext cx="869918" cy="276999"/>
-          </a:xfrm>
-          <a:prstGeom prst="rect">
-            <a:avLst/>
-          </a:prstGeom>
-          <a:noFill/>
-        </p:spPr>
-        <p:txBody>
-          <a:bodyPr wrap="none" rtlCol="0">
-            <a:spAutoFit/>
-          </a:bodyPr>
-          <a:lstStyle/>
-          <a:p>
-            <a:r>
-              <a:rPr lang="en-US" sz="1200" dirty="0" smtClean="0">
-                <a:latin typeface="Tahoma" pitchFamily="34" charset="0"/>
-                <a:ea typeface="Tahoma" pitchFamily="34" charset="0"/>
-                <a:cs typeface="Tahoma" pitchFamily="34" charset="0"/>
-              </a:rPr>
-              <a:t>TCP/HTTP</a:t>
-            </a:r>
           </a:p>
         </p:txBody>
       </p:sp>
@@ -3935,7 +3808,7 @@
         </p:nvCxnSpPr>
         <p:spPr>
           <a:xfrm>
-            <a:off x="5092327" y="2876546"/>
+            <a:off x="3842485" y="2876546"/>
             <a:ext cx="586737" cy="0"/>
           </a:xfrm>
           <a:prstGeom prst="straightConnector1">
@@ -3973,7 +3846,7 @@
         </p:nvCxnSpPr>
         <p:spPr>
           <a:xfrm flipH="1">
-            <a:off x="5089705" y="2952746"/>
+            <a:off x="3839863" y="2952746"/>
             <a:ext cx="586739" cy="0"/>
           </a:xfrm>
           <a:prstGeom prst="straightConnector1">
@@ -4011,7 +3884,7 @@
         </p:nvCxnSpPr>
         <p:spPr>
           <a:xfrm>
-            <a:off x="5108024" y="3253081"/>
+            <a:off x="3858182" y="3253081"/>
             <a:ext cx="586737" cy="0"/>
           </a:xfrm>
           <a:prstGeom prst="straightConnector1">
@@ -4049,7 +3922,7 @@
         </p:nvCxnSpPr>
         <p:spPr>
           <a:xfrm flipH="1">
-            <a:off x="5085946" y="3329281"/>
+            <a:off x="3836104" y="3329281"/>
             <a:ext cx="586739" cy="0"/>
           </a:xfrm>
           <a:prstGeom prst="straightConnector1">
@@ -4087,8 +3960,8 @@
         </p:nvSpPr>
         <p:spPr>
           <a:xfrm rot="16200000">
-            <a:off x="2934730" y="2028128"/>
-            <a:ext cx="123217" cy="4186736"/>
+            <a:off x="2409178" y="2553681"/>
+            <a:ext cx="123219" cy="3135629"/>
           </a:xfrm>
           <a:prstGeom prst="leftBrace">
             <a:avLst/>
@@ -4133,7 +4006,7 @@
         </p:nvSpPr>
         <p:spPr>
           <a:xfrm>
-            <a:off x="2514602" y="4173379"/>
+            <a:off x="2001663" y="4173379"/>
             <a:ext cx="970137" cy="246221"/>
           </a:xfrm>
           <a:prstGeom prst="rect">
@@ -4160,14 +4033,14 @@
       </p:sp>
       <p:sp>
         <p:nvSpPr>
-          <p:cNvPr id="30" name="TextBox 29"/>
+          <p:cNvPr id="36" name="TextBox 35"/>
           <p:cNvSpPr txBox="1"/>
           <p:nvPr/>
         </p:nvSpPr>
         <p:spPr>
           <a:xfrm>
-            <a:off x="5635396" y="2769175"/>
-            <a:ext cx="869918" cy="276999"/>
+            <a:off x="3657600" y="3409890"/>
+            <a:ext cx="979008" cy="553998"/>
           </a:xfrm>
           <a:prstGeom prst="rect">
             <a:avLst/>
@@ -4175,75 +4048,49 @@
           <a:noFill/>
         </p:spPr>
         <p:txBody>
-          <a:bodyPr wrap="none" rtlCol="0">
+          <a:bodyPr wrap="square" rtlCol="0">
             <a:spAutoFit/>
           </a:bodyPr>
           <a:lstStyle/>
           <a:p>
-            <a:r>
-              <a:rPr lang="en-US" sz="1200" dirty="0" smtClean="0">
-                <a:latin typeface="Tahoma" pitchFamily="34" charset="0"/>
-                <a:ea typeface="Tahoma" pitchFamily="34" charset="0"/>
-                <a:cs typeface="Tahoma" pitchFamily="34" charset="0"/>
-              </a:rPr>
-              <a:t>TCP/HTTP</a:t>
-            </a:r>
-          </a:p>
-        </p:txBody>
-      </p:sp>
-      <p:sp>
-        <p:nvSpPr>
-          <p:cNvPr id="31" name="TextBox 30"/>
-          <p:cNvSpPr txBox="1"/>
+            <a:pPr algn="ctr"/>
+            <a:r>
+              <a:rPr lang="en-US" sz="1000" dirty="0" smtClean="0">
+                <a:latin typeface="Tahoma" pitchFamily="34" charset="0"/>
+                <a:ea typeface="Tahoma" pitchFamily="34" charset="0"/>
+                <a:cs typeface="Tahoma" pitchFamily="34" charset="0"/>
+              </a:rPr>
+              <a:t>Minerva wire protocol over TCP or HTTP</a:t>
+            </a:r>
+            <a:endParaRPr lang="en-US" sz="1000" dirty="0">
+              <a:latin typeface="Tahoma" pitchFamily="34" charset="0"/>
+              <a:ea typeface="Tahoma" pitchFamily="34" charset="0"/>
+              <a:cs typeface="Tahoma" pitchFamily="34" charset="0"/>
+            </a:endParaRPr>
+          </a:p>
+        </p:txBody>
+      </p:sp>
+      <p:sp>
+        <p:nvSpPr>
+          <p:cNvPr id="42" name="Left Brace 41"/>
+          <p:cNvSpPr/>
           <p:nvPr/>
         </p:nvSpPr>
         <p:spPr>
-          <a:xfrm>
-            <a:off x="5632148" y="3128486"/>
-            <a:ext cx="869918" cy="276999"/>
-          </a:xfrm>
-          <a:prstGeom prst="rect">
+          <a:xfrm rot="16200000">
+            <a:off x="5797879" y="2529209"/>
+            <a:ext cx="123218" cy="3184571"/>
+          </a:xfrm>
+          <a:prstGeom prst="leftBrace">
             <a:avLst/>
           </a:prstGeom>
-          <a:noFill/>
-        </p:spPr>
-        <p:txBody>
-          <a:bodyPr wrap="none" rtlCol="0">
-            <a:spAutoFit/>
-          </a:bodyPr>
-          <a:lstStyle/>
-          <a:p>
-            <a:r>
-              <a:rPr lang="en-US" sz="1200" dirty="0" smtClean="0">
-                <a:latin typeface="Tahoma" pitchFamily="34" charset="0"/>
-                <a:ea typeface="Tahoma" pitchFamily="34" charset="0"/>
-                <a:cs typeface="Tahoma" pitchFamily="34" charset="0"/>
-              </a:rPr>
-              <a:t>TCP/HTTP</a:t>
-            </a:r>
-          </a:p>
-        </p:txBody>
-      </p:sp>
-      <p:cxnSp>
-        <p:nvCxnSpPr>
-          <p:cNvPr id="32" name="Straight Arrow Connector 31"/>
-          <p:cNvCxnSpPr/>
-          <p:nvPr/>
-        </p:nvCxnSpPr>
-        <p:spPr>
-          <a:xfrm>
-            <a:off x="6492240" y="2874716"/>
-            <a:ext cx="586737" cy="0"/>
-          </a:xfrm>
-          <a:prstGeom prst="straightConnector1">
-            <a:avLst/>
-          </a:prstGeom>
-          <a:ln w="19050" cap="flat">
+          <a:ln w="19050">
             <a:solidFill>
-              <a:schemeClr val="tx1"/>
+              <a:schemeClr val="tx1">
+                <a:lumMod val="50000"/>
+                <a:lumOff val="50000"/>
+              </a:schemeClr>
             </a:solidFill>
-            <a:round/>
-            <a:tailEnd type="triangle"/>
           </a:ln>
         </p:spPr>
         <p:style>
@@ -4260,128 +4107,25 @@
             <a:schemeClr val="tx1"/>
           </a:fontRef>
         </p:style>
-      </p:cxnSp>
-      <p:cxnSp>
-        <p:nvCxnSpPr>
-          <p:cNvPr id="33" name="Straight Arrow Connector 32"/>
-          <p:cNvCxnSpPr/>
-          <p:nvPr/>
-        </p:nvCxnSpPr>
-        <p:spPr>
-          <a:xfrm flipH="1">
-            <a:off x="6489618" y="2950916"/>
-            <a:ext cx="586739" cy="0"/>
-          </a:xfrm>
-          <a:prstGeom prst="straightConnector1">
-            <a:avLst/>
-          </a:prstGeom>
-          <a:ln w="19050" cap="flat">
-            <a:solidFill>
-              <a:schemeClr val="tx1"/>
-            </a:solidFill>
-            <a:round/>
-            <a:tailEnd type="triangle"/>
-          </a:ln>
-        </p:spPr>
-        <p:style>
-          <a:lnRef idx="1">
-            <a:schemeClr val="accent1"/>
-          </a:lnRef>
-          <a:fillRef idx="0">
-            <a:schemeClr val="accent1"/>
-          </a:fillRef>
-          <a:effectRef idx="0">
-            <a:schemeClr val="accent1"/>
-          </a:effectRef>
-          <a:fontRef idx="minor">
-            <a:schemeClr val="tx1"/>
-          </a:fontRef>
-        </p:style>
-      </p:cxnSp>
-      <p:cxnSp>
-        <p:nvCxnSpPr>
-          <p:cNvPr id="34" name="Straight Arrow Connector 33"/>
-          <p:cNvCxnSpPr/>
-          <p:nvPr/>
-        </p:nvCxnSpPr>
-        <p:spPr>
-          <a:xfrm>
-            <a:off x="6507937" y="3251251"/>
-            <a:ext cx="586737" cy="0"/>
-          </a:xfrm>
-          <a:prstGeom prst="straightConnector1">
-            <a:avLst/>
-          </a:prstGeom>
-          <a:ln w="19050" cap="flat">
-            <a:solidFill>
-              <a:schemeClr val="tx1"/>
-            </a:solidFill>
-            <a:round/>
-            <a:tailEnd type="triangle"/>
-          </a:ln>
-        </p:spPr>
-        <p:style>
-          <a:lnRef idx="1">
-            <a:schemeClr val="accent1"/>
-          </a:lnRef>
-          <a:fillRef idx="0">
-            <a:schemeClr val="accent1"/>
-          </a:fillRef>
-          <a:effectRef idx="0">
-            <a:schemeClr val="accent1"/>
-          </a:effectRef>
-          <a:fontRef idx="minor">
-            <a:schemeClr val="tx1"/>
-          </a:fontRef>
-        </p:style>
-      </p:cxnSp>
-      <p:cxnSp>
-        <p:nvCxnSpPr>
-          <p:cNvPr id="35" name="Straight Arrow Connector 34"/>
-          <p:cNvCxnSpPr/>
-          <p:nvPr/>
-        </p:nvCxnSpPr>
-        <p:spPr>
-          <a:xfrm flipH="1">
-            <a:off x="6485859" y="3327451"/>
-            <a:ext cx="586739" cy="0"/>
-          </a:xfrm>
-          <a:prstGeom prst="straightConnector1">
-            <a:avLst/>
-          </a:prstGeom>
-          <a:ln w="19050" cap="flat">
-            <a:solidFill>
-              <a:schemeClr val="tx1"/>
-            </a:solidFill>
-            <a:round/>
-            <a:tailEnd type="triangle"/>
-          </a:ln>
-        </p:spPr>
-        <p:style>
-          <a:lnRef idx="1">
-            <a:schemeClr val="accent1"/>
-          </a:lnRef>
-          <a:fillRef idx="0">
-            <a:schemeClr val="accent1"/>
-          </a:fillRef>
-          <a:effectRef idx="0">
-            <a:schemeClr val="accent1"/>
-          </a:effectRef>
-          <a:fontRef idx="minor">
-            <a:schemeClr val="tx1"/>
-          </a:fontRef>
-        </p:style>
-      </p:cxnSp>
-      <p:sp>
-        <p:nvSpPr>
-          <p:cNvPr id="36" name="TextBox 35"/>
+        <p:txBody>
+          <a:bodyPr rtlCol="0" anchor="ctr"/>
+          <a:lstStyle/>
+          <a:p>
+            <a:pPr algn="ctr"/>
+            <a:endParaRPr lang="en-US" dirty="0"/>
+          </a:p>
+        </p:txBody>
+      </p:sp>
+      <p:sp>
+        <p:nvSpPr>
+          <p:cNvPr id="43" name="TextBox 42"/>
           <p:cNvSpPr txBox="1"/>
           <p:nvPr/>
         </p:nvSpPr>
         <p:spPr>
           <a:xfrm>
-            <a:off x="4907442" y="3409890"/>
-            <a:ext cx="979008" cy="400110"/>
+            <a:off x="5380969" y="4173379"/>
+            <a:ext cx="1019831" cy="246221"/>
           </a:xfrm>
           <a:prstGeom prst="rect">
             <a:avLst/>
@@ -4389,125 +4133,6 @@
           <a:noFill/>
         </p:spPr>
         <p:txBody>
-          <a:bodyPr wrap="square" rtlCol="0">
-            <a:spAutoFit/>
-          </a:bodyPr>
-          <a:lstStyle/>
-          <a:p>
-            <a:pPr algn="ctr"/>
-            <a:r>
-              <a:rPr lang="en-US" sz="1000" dirty="0" smtClean="0">
-                <a:latin typeface="Tahoma" pitchFamily="34" charset="0"/>
-                <a:ea typeface="Tahoma" pitchFamily="34" charset="0"/>
-                <a:cs typeface="Tahoma" pitchFamily="34" charset="0"/>
-              </a:rPr>
-              <a:t>TCP stream over Internet</a:t>
-            </a:r>
-            <a:endParaRPr lang="en-US" sz="1000" dirty="0">
-              <a:latin typeface="Tahoma" pitchFamily="34" charset="0"/>
-              <a:ea typeface="Tahoma" pitchFamily="34" charset="0"/>
-              <a:cs typeface="Tahoma" pitchFamily="34" charset="0"/>
-            </a:endParaRPr>
-          </a:p>
-        </p:txBody>
-      </p:sp>
-      <p:sp>
-        <p:nvSpPr>
-          <p:cNvPr id="40" name="TextBox 39"/>
-          <p:cNvSpPr txBox="1"/>
-          <p:nvPr/>
-        </p:nvSpPr>
-        <p:spPr>
-          <a:xfrm>
-            <a:off x="3505200" y="3409890"/>
-            <a:ext cx="915923" cy="400110"/>
-          </a:xfrm>
-          <a:prstGeom prst="rect">
-            <a:avLst/>
-          </a:prstGeom>
-          <a:noFill/>
-        </p:spPr>
-        <p:txBody>
-          <a:bodyPr wrap="square" rtlCol="0">
-            <a:spAutoFit/>
-          </a:bodyPr>
-          <a:lstStyle/>
-          <a:p>
-            <a:pPr algn="ctr"/>
-            <a:r>
-              <a:rPr lang="en-US" sz="1000" dirty="0" smtClean="0">
-                <a:latin typeface="Tahoma" pitchFamily="34" charset="0"/>
-                <a:ea typeface="Tahoma" pitchFamily="34" charset="0"/>
-                <a:cs typeface="Tahoma" pitchFamily="34" charset="0"/>
-              </a:rPr>
-              <a:t>Minerva wire protocol</a:t>
-            </a:r>
-          </a:p>
-        </p:txBody>
-      </p:sp>
-      <p:sp>
-        <p:nvSpPr>
-          <p:cNvPr id="42" name="Left Brace 41"/>
-          <p:cNvSpPr/>
-          <p:nvPr/>
-        </p:nvSpPr>
-        <p:spPr>
-          <a:xfrm rot="16200000">
-            <a:off x="7795221" y="1979665"/>
-            <a:ext cx="123219" cy="4283660"/>
-          </a:xfrm>
-          <a:prstGeom prst="leftBrace">
-            <a:avLst/>
-          </a:prstGeom>
-          <a:ln w="19050">
-            <a:solidFill>
-              <a:schemeClr val="tx1">
-                <a:lumMod val="50000"/>
-                <a:lumOff val="50000"/>
-              </a:schemeClr>
-            </a:solidFill>
-          </a:ln>
-        </p:spPr>
-        <p:style>
-          <a:lnRef idx="1">
-            <a:schemeClr val="accent1"/>
-          </a:lnRef>
-          <a:fillRef idx="0">
-            <a:schemeClr val="accent1"/>
-          </a:fillRef>
-          <a:effectRef idx="0">
-            <a:schemeClr val="accent1"/>
-          </a:effectRef>
-          <a:fontRef idx="minor">
-            <a:schemeClr val="tx1"/>
-          </a:fontRef>
-        </p:style>
-        <p:txBody>
-          <a:bodyPr rtlCol="0" anchor="ctr"/>
-          <a:lstStyle/>
-          <a:p>
-            <a:pPr algn="ctr"/>
-            <a:endParaRPr lang="en-US" dirty="0"/>
-          </a:p>
-        </p:txBody>
-      </p:sp>
-      <p:sp>
-        <p:nvSpPr>
-          <p:cNvPr id="43" name="TextBox 42"/>
-          <p:cNvSpPr txBox="1"/>
-          <p:nvPr/>
-        </p:nvSpPr>
-        <p:spPr>
-          <a:xfrm>
-            <a:off x="7326632" y="4173379"/>
-            <a:ext cx="1019831" cy="246221"/>
-          </a:xfrm>
-          <a:prstGeom prst="rect">
-            <a:avLst/>
-          </a:prstGeom>
-          <a:noFill/>
-        </p:spPr>
-        <p:txBody>
           <a:bodyPr wrap="none" rtlCol="0">
             <a:spAutoFit/>
           </a:bodyPr>
@@ -4532,7 +4157,7 @@
         </p:nvSpPr>
         <p:spPr>
           <a:xfrm>
-            <a:off x="7183612" y="2696188"/>
+            <a:off x="4608149" y="2696188"/>
             <a:ext cx="800797" cy="461665"/>
           </a:xfrm>
           <a:prstGeom prst="rect">
@@ -4582,7 +4207,7 @@
         </p:nvSpPr>
         <p:spPr>
           <a:xfrm>
-            <a:off x="7086600" y="3079203"/>
+            <a:off x="4511137" y="3079203"/>
             <a:ext cx="1015022" cy="461665"/>
           </a:xfrm>
           <a:prstGeom prst="rect">
@@ -4627,7 +4252,7 @@
         </p:nvCxnSpPr>
         <p:spPr>
           <a:xfrm>
-            <a:off x="8047534" y="2857504"/>
+            <a:off x="5500646" y="2857504"/>
             <a:ext cx="586737" cy="0"/>
           </a:xfrm>
           <a:prstGeom prst="straightConnector1">
@@ -4664,7 +4289,7 @@
         </p:nvCxnSpPr>
         <p:spPr>
           <a:xfrm flipH="1">
-            <a:off x="8044912" y="2933704"/>
+            <a:off x="5498024" y="2933704"/>
             <a:ext cx="586739" cy="0"/>
           </a:xfrm>
           <a:prstGeom prst="straightConnector1">
@@ -4701,7 +4326,7 @@
         </p:nvCxnSpPr>
         <p:spPr>
           <a:xfrm>
-            <a:off x="8063231" y="3234039"/>
+            <a:off x="5516343" y="3234039"/>
             <a:ext cx="586737" cy="0"/>
           </a:xfrm>
           <a:prstGeom prst="straightConnector1">
@@ -4738,7 +4363,7 @@
         </p:nvCxnSpPr>
         <p:spPr>
           <a:xfrm flipH="1">
-            <a:off x="8060609" y="3310239"/>
+            <a:off x="5513721" y="3310239"/>
             <a:ext cx="586739" cy="0"/>
           </a:xfrm>
           <a:prstGeom prst="straightConnector1">
@@ -4775,8 +4400,8 @@
         </p:nvSpPr>
         <p:spPr>
           <a:xfrm>
-            <a:off x="8667750" y="2857504"/>
-            <a:ext cx="717120" cy="461665"/>
+            <a:off x="6145420" y="2857504"/>
+            <a:ext cx="668003" cy="461665"/>
           </a:xfrm>
           <a:prstGeom prst="rect">
             <a:avLst/>
@@ -4796,8 +4421,13 @@
                 <a:ea typeface="Tahoma" pitchFamily="34" charset="0"/>
                 <a:cs typeface="Tahoma" pitchFamily="34" charset="0"/>
               </a:rPr>
-              <a:t>Minerva</a:t>
-            </a:r>
+              <a:t>Server</a:t>
+            </a:r>
+            <a:endParaRPr lang="en-US" sz="1200" dirty="0" smtClean="0">
+              <a:latin typeface="Tahoma" pitchFamily="34" charset="0"/>
+              <a:ea typeface="Tahoma" pitchFamily="34" charset="0"/>
+              <a:cs typeface="Tahoma" pitchFamily="34" charset="0"/>
+            </a:endParaRPr>
           </a:p>
           <a:p>
             <a:pPr algn="ctr"/>
@@ -4825,7 +4455,7 @@
         </p:nvSpPr>
         <p:spPr>
           <a:xfrm>
-            <a:off x="7042688" y="2133600"/>
+            <a:off x="4495800" y="2103477"/>
             <a:ext cx="1186912" cy="553998"/>
           </a:xfrm>
           <a:prstGeom prst="rect">
@@ -4863,8 +4493,8 @@
         </p:nvSpPr>
         <p:spPr>
           <a:xfrm>
-            <a:off x="8188841" y="2133600"/>
-            <a:ext cx="2098159" cy="553998"/>
+            <a:off x="5641952" y="2105025"/>
+            <a:ext cx="2511448" cy="553998"/>
           </a:xfrm>
           <a:prstGeom prst="rect">
             <a:avLst/>
@@ -4883,7 +4513,15 @@
                 <a:ea typeface="Tahoma" pitchFamily="34" charset="0"/>
                 <a:cs typeface="Tahoma" pitchFamily="34" charset="0"/>
               </a:rPr>
-              <a:t>Stream receives new transports.</a:t>
+              <a:t>Server Stream listens for new transports</a:t>
+            </a:r>
+            <a:r>
+              <a:rPr lang="en-US" sz="1000" dirty="0" smtClean="0">
+                <a:latin typeface="Tahoma" pitchFamily="34" charset="0"/>
+                <a:ea typeface="Tahoma" pitchFamily="34" charset="0"/>
+                <a:cs typeface="Tahoma" pitchFamily="34" charset="0"/>
+              </a:rPr>
+              <a:t>.</a:t>
             </a:r>
           </a:p>
           <a:p>
@@ -4960,7 +4598,7 @@
         </p:nvSpPr>
         <p:spPr>
           <a:xfrm>
-            <a:off x="7997745" y="3381315"/>
+            <a:off x="5450857" y="3381315"/>
             <a:ext cx="775336" cy="553998"/>
           </a:xfrm>
           <a:prstGeom prst="rect">
@@ -4993,47 +4631,13 @@
       </p:sp>
       <p:sp>
         <p:nvSpPr>
-          <p:cNvPr id="57" name="TextBox 56"/>
-          <p:cNvSpPr txBox="1"/>
-          <p:nvPr/>
-        </p:nvSpPr>
-        <p:spPr>
-          <a:xfrm>
-            <a:off x="6343343" y="3409890"/>
-            <a:ext cx="915923" cy="400110"/>
-          </a:xfrm>
-          <a:prstGeom prst="rect">
-            <a:avLst/>
-          </a:prstGeom>
-          <a:noFill/>
-        </p:spPr>
-        <p:txBody>
-          <a:bodyPr wrap="square" rtlCol="0">
-            <a:spAutoFit/>
-          </a:bodyPr>
-          <a:lstStyle/>
-          <a:p>
-            <a:pPr algn="ctr"/>
-            <a:r>
-              <a:rPr lang="en-US" sz="1000" dirty="0" smtClean="0">
-                <a:latin typeface="Tahoma" pitchFamily="34" charset="0"/>
-                <a:ea typeface="Tahoma" pitchFamily="34" charset="0"/>
-                <a:cs typeface="Tahoma" pitchFamily="34" charset="0"/>
-              </a:rPr>
-              <a:t>Minerva wire protocol</a:t>
-            </a:r>
-          </a:p>
-        </p:txBody>
-      </p:sp>
-      <p:sp>
-        <p:nvSpPr>
           <p:cNvPr id="58" name="TextBox 57"/>
           <p:cNvSpPr txBox="1"/>
           <p:nvPr/>
         </p:nvSpPr>
         <p:spPr>
           <a:xfrm>
-            <a:off x="10033052" y="2924014"/>
+            <a:off x="7486164" y="2924014"/>
             <a:ext cx="919547" cy="276999"/>
           </a:xfrm>
           <a:prstGeom prst="rect">
@@ -5071,7 +4675,7 @@
         </p:nvCxnSpPr>
         <p:spPr>
           <a:xfrm>
-            <a:off x="9411922" y="3048000"/>
+            <a:off x="6865034" y="3048000"/>
             <a:ext cx="586737" cy="0"/>
           </a:xfrm>
           <a:prstGeom prst="straightConnector1">
@@ -5108,7 +4712,7 @@
         </p:nvCxnSpPr>
         <p:spPr>
           <a:xfrm flipH="1">
-            <a:off x="9411920" y="3124200"/>
+            <a:off x="6865032" y="3124200"/>
             <a:ext cx="586739" cy="0"/>
           </a:xfrm>
           <a:prstGeom prst="straightConnector1">
@@ -5145,7 +4749,7 @@
         </p:nvSpPr>
         <p:spPr>
           <a:xfrm>
-            <a:off x="9182100" y="3208377"/>
+            <a:off x="6635212" y="3208377"/>
             <a:ext cx="1066800" cy="553998"/>
           </a:xfrm>
           <a:prstGeom prst="rect">
@@ -5274,7 +4878,7 @@
         <p:spPr>
           <a:xfrm>
             <a:off x="152400" y="4648200"/>
-            <a:ext cx="9951242" cy="646331"/>
+            <a:ext cx="9220200" cy="830997"/>
           </a:xfrm>
           <a:prstGeom prst="rect">
             <a:avLst/>
@@ -5293,7 +4897,7 @@
                 <a:ea typeface="Tahoma" pitchFamily="34" charset="0"/>
                 <a:cs typeface="Tahoma" pitchFamily="34" charset="0"/>
               </a:rPr>
-              <a:t>Minerva strings are restricted to 0x20 (“ </a:t>
+              <a:t>For maximum compatibility </a:t>
             </a:r>
             <a:r>
               <a:rPr lang="en-US" sz="1200" dirty="0" smtClean="0">
@@ -5301,7 +4905,7 @@
                 <a:ea typeface="Tahoma" pitchFamily="34" charset="0"/>
                 <a:cs typeface="Tahoma" pitchFamily="34" charset="0"/>
               </a:rPr>
-              <a:t>”</a:t>
+              <a:t>with current and future transports, and for client-side flow control reasons, </a:t>
             </a:r>
             <a:r>
               <a:rPr lang="en-US" sz="1200" dirty="0" smtClean="0">
@@ -5309,7 +4913,7 @@
                 <a:ea typeface="Tahoma" pitchFamily="34" charset="0"/>
                 <a:cs typeface="Tahoma" pitchFamily="34" charset="0"/>
               </a:rPr>
-              <a:t>) – 0x7E (“~”), allowing these 95 characters (“ </a:t>
+              <a:t>Minerva </a:t>
             </a:r>
             <a:r>
               <a:rPr lang="en-US" sz="1200" dirty="0" smtClean="0">
@@ -5317,7 +4921,7 @@
                 <a:ea typeface="Tahoma" pitchFamily="34" charset="0"/>
                 <a:cs typeface="Tahoma" pitchFamily="34" charset="0"/>
               </a:rPr>
-              <a:t>”</a:t>
+              <a:t>strings are restricted to </a:t>
             </a:r>
             <a:r>
               <a:rPr lang="en-US" sz="1200" dirty="0" smtClean="0">
@@ -5325,7 +4929,15 @@
                 <a:ea typeface="Tahoma" pitchFamily="34" charset="0"/>
                 <a:cs typeface="Tahoma" pitchFamily="34" charset="0"/>
               </a:rPr>
-              <a:t> is first):</a:t>
+              <a:t>a range of characters. The range is 0x20 </a:t>
+            </a:r>
+            <a:r>
+              <a:rPr lang="en-US" sz="1200" dirty="0" smtClean="0">
+                <a:latin typeface="Tahoma" pitchFamily="34" charset="0"/>
+                <a:ea typeface="Tahoma" pitchFamily="34" charset="0"/>
+                <a:cs typeface="Tahoma" pitchFamily="34" charset="0"/>
+              </a:rPr>
+              <a:t>(“ ”) – 0x7E (“~”), allowing these 95 characters (“ ” is first):</a:t>
             </a:r>
           </a:p>
           <a:p>
@@ -5377,7 +4989,23 @@
                 <a:ea typeface="Tahoma" pitchFamily="34" charset="0"/>
                 <a:cs typeface="Tahoma" pitchFamily="34" charset="0"/>
               </a:rPr>
-              <a:t>Transport creates only one HTTP request or one TCP connection. Not reused.</a:t>
+              <a:t>Transport creates only one </a:t>
+            </a:r>
+            <a:r>
+              <a:rPr lang="en-US" sz="1000" dirty="0" smtClean="0">
+                <a:latin typeface="Tahoma" pitchFamily="34" charset="0"/>
+                <a:ea typeface="Tahoma" pitchFamily="34" charset="0"/>
+                <a:cs typeface="Tahoma" pitchFamily="34" charset="0"/>
+              </a:rPr>
+              <a:t>TCP connection or one HTTP request. </a:t>
+            </a:r>
+            <a:r>
+              <a:rPr lang="en-US" sz="1000" dirty="0" smtClean="0">
+                <a:latin typeface="Tahoma" pitchFamily="34" charset="0"/>
+                <a:ea typeface="Tahoma" pitchFamily="34" charset="0"/>
+                <a:cs typeface="Tahoma" pitchFamily="34" charset="0"/>
+              </a:rPr>
+              <a:t>Not reused.</a:t>
             </a:r>
             <a:endParaRPr lang="en-US" sz="1000" dirty="0">
               <a:latin typeface="Tahoma" pitchFamily="34" charset="0"/>

--- a/docs/data_flow.pptx
+++ b/docs/data_flow.pptx
@@ -288,7 +288,7 @@
           <a:p>
             <a:fld id="{BB8F1B3F-F425-43A1-A5D6-4A28EB036C8A}" type="datetimeFigureOut">
               <a:rPr lang="en-US" smtClean="0"/>
-              <a:t>2010-06-10</a:t>
+              <a:t>2010-09-23</a:t>
             </a:fld>
             <a:endParaRPr lang="en-US"/>
           </a:p>
@@ -458,7 +458,7 @@
           <a:p>
             <a:fld id="{BB8F1B3F-F425-43A1-A5D6-4A28EB036C8A}" type="datetimeFigureOut">
               <a:rPr lang="en-US" smtClean="0"/>
-              <a:t>2010-06-10</a:t>
+              <a:t>2010-09-23</a:t>
             </a:fld>
             <a:endParaRPr lang="en-US"/>
           </a:p>
@@ -638,7 +638,7 @@
           <a:p>
             <a:fld id="{BB8F1B3F-F425-43A1-A5D6-4A28EB036C8A}" type="datetimeFigureOut">
               <a:rPr lang="en-US" smtClean="0"/>
-              <a:t>2010-06-10</a:t>
+              <a:t>2010-09-23</a:t>
             </a:fld>
             <a:endParaRPr lang="en-US"/>
           </a:p>
@@ -808,7 +808,7 @@
           <a:p>
             <a:fld id="{BB8F1B3F-F425-43A1-A5D6-4A28EB036C8A}" type="datetimeFigureOut">
               <a:rPr lang="en-US" smtClean="0"/>
-              <a:t>2010-06-10</a:t>
+              <a:t>2010-09-23</a:t>
             </a:fld>
             <a:endParaRPr lang="en-US"/>
           </a:p>
@@ -1054,7 +1054,7 @@
           <a:p>
             <a:fld id="{BB8F1B3F-F425-43A1-A5D6-4A28EB036C8A}" type="datetimeFigureOut">
               <a:rPr lang="en-US" smtClean="0"/>
-              <a:t>2010-06-10</a:t>
+              <a:t>2010-09-23</a:t>
             </a:fld>
             <a:endParaRPr lang="en-US"/>
           </a:p>
@@ -1342,7 +1342,7 @@
           <a:p>
             <a:fld id="{BB8F1B3F-F425-43A1-A5D6-4A28EB036C8A}" type="datetimeFigureOut">
               <a:rPr lang="en-US" smtClean="0"/>
-              <a:t>2010-06-10</a:t>
+              <a:t>2010-09-23</a:t>
             </a:fld>
             <a:endParaRPr lang="en-US"/>
           </a:p>
@@ -1769,7 +1769,7 @@
           <a:p>
             <a:fld id="{BB8F1B3F-F425-43A1-A5D6-4A28EB036C8A}" type="datetimeFigureOut">
               <a:rPr lang="en-US" smtClean="0"/>
-              <a:t>2010-06-10</a:t>
+              <a:t>2010-09-23</a:t>
             </a:fld>
             <a:endParaRPr lang="en-US"/>
           </a:p>
@@ -1887,7 +1887,7 @@
           <a:p>
             <a:fld id="{BB8F1B3F-F425-43A1-A5D6-4A28EB036C8A}" type="datetimeFigureOut">
               <a:rPr lang="en-US" smtClean="0"/>
-              <a:t>2010-06-10</a:t>
+              <a:t>2010-09-23</a:t>
             </a:fld>
             <a:endParaRPr lang="en-US"/>
           </a:p>
@@ -1982,7 +1982,7 @@
           <a:p>
             <a:fld id="{BB8F1B3F-F425-43A1-A5D6-4A28EB036C8A}" type="datetimeFigureOut">
               <a:rPr lang="en-US" smtClean="0"/>
-              <a:t>2010-06-10</a:t>
+              <a:t>2010-09-23</a:t>
             </a:fld>
             <a:endParaRPr lang="en-US"/>
           </a:p>
@@ -2259,7 +2259,7 @@
           <a:p>
             <a:fld id="{BB8F1B3F-F425-43A1-A5D6-4A28EB036C8A}" type="datetimeFigureOut">
               <a:rPr lang="en-US" smtClean="0"/>
-              <a:t>2010-06-10</a:t>
+              <a:t>2010-09-23</a:t>
             </a:fld>
             <a:endParaRPr lang="en-US"/>
           </a:p>
@@ -2512,7 +2512,7 @@
           <a:p>
             <a:fld id="{BB8F1B3F-F425-43A1-A5D6-4A28EB036C8A}" type="datetimeFigureOut">
               <a:rPr lang="en-US" smtClean="0"/>
-              <a:t>2010-06-10</a:t>
+              <a:t>2010-09-23</a:t>
             </a:fld>
             <a:endParaRPr lang="en-US"/>
           </a:p>
@@ -2725,7 +2725,7 @@
           <a:p>
             <a:fld id="{BB8F1B3F-F425-43A1-A5D6-4A28EB036C8A}" type="datetimeFigureOut">
               <a:rPr lang="en-US" smtClean="0"/>
-              <a:t>2010-06-10</a:t>
+              <a:t>2010-09-23</a:t>
             </a:fld>
             <a:endParaRPr lang="en-US"/>
           </a:p>
@@ -3243,11 +3243,6 @@
               </a:rPr>
               <a:t>Client</a:t>
             </a:r>
-            <a:endParaRPr lang="en-US" sz="1200" dirty="0" smtClean="0">
-              <a:latin typeface="Tahoma" pitchFamily="34" charset="0"/>
-              <a:ea typeface="Tahoma" pitchFamily="34" charset="0"/>
-              <a:cs typeface="Tahoma" pitchFamily="34" charset="0"/>
-            </a:endParaRPr>
           </a:p>
           <a:p>
             <a:pPr algn="ctr"/>
@@ -3295,15 +3290,7 @@
                 <a:ea typeface="Tahoma" pitchFamily="34" charset="0"/>
                 <a:cs typeface="Tahoma" pitchFamily="34" charset="0"/>
               </a:rPr>
-              <a:t>Client Stream </a:t>
-            </a:r>
-            <a:r>
-              <a:rPr lang="en-US" sz="1000" dirty="0" smtClean="0">
-                <a:latin typeface="Tahoma" pitchFamily="34" charset="0"/>
-                <a:ea typeface="Tahoma" pitchFamily="34" charset="0"/>
-                <a:cs typeface="Tahoma" pitchFamily="34" charset="0"/>
-              </a:rPr>
-              <a:t>creates transports.</a:t>
+              <a:t>Client Stream creates transports.</a:t>
             </a:r>
           </a:p>
           <a:p>
@@ -3716,31 +3703,7 @@
                 <a:ea typeface="Tahoma" pitchFamily="34" charset="0"/>
                 <a:cs typeface="Tahoma" pitchFamily="34" charset="0"/>
               </a:rPr>
-              <a:t>Primary receives strings. Secondary transport </a:t>
-            </a:r>
-            <a:r>
-              <a:rPr lang="en-US" sz="1000" dirty="0" smtClean="0">
-                <a:latin typeface="Tahoma" pitchFamily="34" charset="0"/>
-                <a:ea typeface="Tahoma" pitchFamily="34" charset="0"/>
-                <a:cs typeface="Tahoma" pitchFamily="34" charset="0"/>
-              </a:rPr>
-              <a:t>is only </a:t>
-            </a:r>
-            <a:r>
-              <a:rPr lang="en-US" sz="1000" dirty="0" smtClean="0">
-                <a:latin typeface="Tahoma" pitchFamily="34" charset="0"/>
-                <a:ea typeface="Tahoma" pitchFamily="34" charset="0"/>
-                <a:cs typeface="Tahoma" pitchFamily="34" charset="0"/>
-              </a:rPr>
-              <a:t>needed if primary is </a:t>
-            </a:r>
-            <a:r>
-              <a:rPr lang="en-US" sz="1000" dirty="0" smtClean="0">
-                <a:latin typeface="Tahoma" pitchFamily="34" charset="0"/>
-                <a:ea typeface="Tahoma" pitchFamily="34" charset="0"/>
-                <a:cs typeface="Tahoma" pitchFamily="34" charset="0"/>
-              </a:rPr>
-              <a:t>HTTP,</a:t>
+              <a:t>Primary receives strings. Secondary transport is only needed if primary is HTTP,</a:t>
             </a:r>
           </a:p>
           <a:p>
@@ -3766,31 +3729,7 @@
                 <a:ea typeface="Tahoma" pitchFamily="34" charset="0"/>
                 <a:cs typeface="Tahoma" pitchFamily="34" charset="0"/>
               </a:rPr>
-              <a:t>an’t </a:t>
-            </a:r>
-            <a:r>
-              <a:rPr lang="en-US" sz="1000" dirty="0" smtClean="0">
-                <a:latin typeface="Tahoma" pitchFamily="34" charset="0"/>
-                <a:ea typeface="Tahoma" pitchFamily="34" charset="0"/>
-                <a:cs typeface="Tahoma" pitchFamily="34" charset="0"/>
-              </a:rPr>
-              <a:t>upload data </a:t>
-            </a:r>
-            <a:r>
-              <a:rPr lang="en-US" sz="1000" dirty="0" smtClean="0">
-                <a:latin typeface="Tahoma" pitchFamily="34" charset="0"/>
-                <a:ea typeface="Tahoma" pitchFamily="34" charset="0"/>
-                <a:cs typeface="Tahoma" pitchFamily="34" charset="0"/>
-              </a:rPr>
-              <a:t>after opening HTTP </a:t>
-            </a:r>
-            <a:r>
-              <a:rPr lang="en-US" sz="1000" dirty="0" smtClean="0">
-                <a:latin typeface="Tahoma" pitchFamily="34" charset="0"/>
-                <a:ea typeface="Tahoma" pitchFamily="34" charset="0"/>
-                <a:cs typeface="Tahoma" pitchFamily="34" charset="0"/>
-              </a:rPr>
-              <a:t>request.</a:t>
+              <a:t>an’t upload data after opening HTTP request.</a:t>
             </a:r>
             <a:endParaRPr lang="en-US" sz="1000" dirty="0">
               <a:latin typeface="Tahoma" pitchFamily="34" charset="0"/>
@@ -4423,11 +4362,6 @@
               </a:rPr>
               <a:t>Server</a:t>
             </a:r>
-            <a:endParaRPr lang="en-US" sz="1200" dirty="0" smtClean="0">
-              <a:latin typeface="Tahoma" pitchFamily="34" charset="0"/>
-              <a:ea typeface="Tahoma" pitchFamily="34" charset="0"/>
-              <a:cs typeface="Tahoma" pitchFamily="34" charset="0"/>
-            </a:endParaRPr>
           </a:p>
           <a:p>
             <a:pPr algn="ctr"/>
@@ -4513,15 +4447,7 @@
                 <a:ea typeface="Tahoma" pitchFamily="34" charset="0"/>
                 <a:cs typeface="Tahoma" pitchFamily="34" charset="0"/>
               </a:rPr>
-              <a:t>Server Stream listens for new transports</a:t>
-            </a:r>
-            <a:r>
-              <a:rPr lang="en-US" sz="1000" dirty="0" smtClean="0">
-                <a:latin typeface="Tahoma" pitchFamily="34" charset="0"/>
-                <a:ea typeface="Tahoma" pitchFamily="34" charset="0"/>
-                <a:cs typeface="Tahoma" pitchFamily="34" charset="0"/>
-              </a:rPr>
-              <a:t>.</a:t>
+              <a:t>Server Stream listens for new transports.</a:t>
             </a:r>
           </a:p>
           <a:p>
@@ -4897,57 +4823,33 @@
                 <a:ea typeface="Tahoma" pitchFamily="34" charset="0"/>
                 <a:cs typeface="Tahoma" pitchFamily="34" charset="0"/>
               </a:rPr>
-              <a:t>For maximum compatibility </a:t>
-            </a:r>
-            <a:r>
-              <a:rPr lang="en-US" sz="1200" dirty="0" smtClean="0">
-                <a:latin typeface="Tahoma" pitchFamily="34" charset="0"/>
+              <a:t>For maximum compatibility with current and future transports, and for client-side flow control reasons, Minerva strings are restricted to a range of characters. The range is 0x20 (“ ”) – 0x7E (“~”), allowing these 95 characters (“ ” is first):</a:t>
+            </a:r>
+          </a:p>
+          <a:p>
+            <a:r>
+              <a:rPr lang="en-US" sz="1200" smtClean="0">
+                <a:latin typeface="Courier New" pitchFamily="49" charset="0"/>
                 <a:ea typeface="Tahoma" pitchFamily="34" charset="0"/>
-                <a:cs typeface="Tahoma" pitchFamily="34" charset="0"/>
+                <a:cs typeface="Courier New" pitchFamily="49" charset="0"/>
               </a:rPr>
-              <a:t>with current and future transports, and for client-side flow control reasons, </a:t>
-            </a:r>
-            <a:r>
-              <a:rPr lang="en-US" sz="1200" dirty="0" smtClean="0">
-                <a:latin typeface="Tahoma" pitchFamily="34" charset="0"/>
+              <a:t> </a:t>
+            </a:r>
+            <a:r>
+              <a:rPr lang="en-US" sz="1200" smtClean="0">
+                <a:latin typeface="Courier New" pitchFamily="49" charset="0"/>
                 <a:ea typeface="Tahoma" pitchFamily="34" charset="0"/>
-                <a:cs typeface="Tahoma" pitchFamily="34" charset="0"/>
+                <a:cs typeface="Courier New" pitchFamily="49" charset="0"/>
               </a:rPr>
-              <a:t>Minerva </a:t>
-            </a:r>
-            <a:r>
-              <a:rPr lang="en-US" sz="1200" dirty="0" smtClean="0">
-                <a:latin typeface="Tahoma" pitchFamily="34" charset="0"/>
-                <a:ea typeface="Tahoma" pitchFamily="34" charset="0"/>
-                <a:cs typeface="Tahoma" pitchFamily="34" charset="0"/>
-              </a:rPr>
-              <a:t>strings are restricted to </a:t>
-            </a:r>
-            <a:r>
-              <a:rPr lang="en-US" sz="1200" dirty="0" smtClean="0">
-                <a:latin typeface="Tahoma" pitchFamily="34" charset="0"/>
-                <a:ea typeface="Tahoma" pitchFamily="34" charset="0"/>
-                <a:cs typeface="Tahoma" pitchFamily="34" charset="0"/>
-              </a:rPr>
-              <a:t>a range of characters. The range is 0x20 </a:t>
-            </a:r>
-            <a:r>
-              <a:rPr lang="en-US" sz="1200" dirty="0" smtClean="0">
-                <a:latin typeface="Tahoma" pitchFamily="34" charset="0"/>
-                <a:ea typeface="Tahoma" pitchFamily="34" charset="0"/>
-                <a:cs typeface="Tahoma" pitchFamily="34" charset="0"/>
-              </a:rPr>
-              <a:t>(“ ”) – 0x7E (“~”), allowing these 95 characters (“ ” is first):</a:t>
-            </a:r>
-          </a:p>
-          <a:p>
+              <a:t>!"#$%&amp;'()*+,-./</a:t>
+            </a:r>
             <a:r>
               <a:rPr lang="en-US" sz="1200" dirty="0" smtClean="0">
                 <a:latin typeface="Courier New" pitchFamily="49" charset="0"/>
                 <a:ea typeface="Tahoma" pitchFamily="34" charset="0"/>
                 <a:cs typeface="Courier New" pitchFamily="49" charset="0"/>
               </a:rPr>
-              <a:t> !"#$%&amp;\'()*+,-./0123456789:;&lt;=&gt;?@ABCDEFGHIJKLMNOPQRSTUVWXYZ[\]^_`abcdefghijklmnopqrstuvwxyz{|}~</a:t>
+              <a:t>0123456789:;&lt;=&gt;?@ABCDEFGHIJKLMNOPQRSTUVWXYZ[\]^_`abcdefghijklmnopqrstuvwxyz{|}~</a:t>
             </a:r>
           </a:p>
           <a:p>
@@ -4989,23 +4891,7 @@
                 <a:ea typeface="Tahoma" pitchFamily="34" charset="0"/>
                 <a:cs typeface="Tahoma" pitchFamily="34" charset="0"/>
               </a:rPr>
-              <a:t>Transport creates only one </a:t>
-            </a:r>
-            <a:r>
-              <a:rPr lang="en-US" sz="1000" dirty="0" smtClean="0">
-                <a:latin typeface="Tahoma" pitchFamily="34" charset="0"/>
-                <a:ea typeface="Tahoma" pitchFamily="34" charset="0"/>
-                <a:cs typeface="Tahoma" pitchFamily="34" charset="0"/>
-              </a:rPr>
-              <a:t>TCP connection or one HTTP request. </a:t>
-            </a:r>
-            <a:r>
-              <a:rPr lang="en-US" sz="1000" dirty="0" smtClean="0">
-                <a:latin typeface="Tahoma" pitchFamily="34" charset="0"/>
-                <a:ea typeface="Tahoma" pitchFamily="34" charset="0"/>
-                <a:cs typeface="Tahoma" pitchFamily="34" charset="0"/>
-              </a:rPr>
-              <a:t>Not reused.</a:t>
+              <a:t>Transport creates only one TCP connection or one HTTP request. Not reused.</a:t>
             </a:r>
             <a:endParaRPr lang="en-US" sz="1000" dirty="0">
               <a:latin typeface="Tahoma" pitchFamily="34" charset="0"/>

--- a/docs/data_flow.pptx
+++ b/docs/data_flow.pptx
@@ -7,7 +7,7 @@
   <p:sldIdLst>
     <p:sldId id="256" r:id="rId2"/>
   </p:sldIdLst>
-  <p:sldSz cx="13716000" cy="6858000"/>
+  <p:sldSz cx="9601200" cy="5029200"/>
   <p:notesSz cx="6858000" cy="9144000"/>
   <p:defaultTextStyle>
     <a:defPPr>
@@ -136,8 +136,8 @@
         </p:nvSpPr>
         <p:spPr>
           <a:xfrm>
-            <a:off x="1028700" y="2130426"/>
-            <a:ext cx="11658600" cy="1470025"/>
+            <a:off x="720090" y="1562312"/>
+            <a:ext cx="8161020" cy="1078018"/>
           </a:xfrm>
         </p:spPr>
         <p:txBody>
@@ -164,8 +164,8 @@
         </p:nvSpPr>
         <p:spPr>
           <a:xfrm>
-            <a:off x="2057400" y="3886200"/>
-            <a:ext cx="9601200" cy="1752600"/>
+            <a:off x="1440180" y="2849880"/>
+            <a:ext cx="6720840" cy="1285240"/>
           </a:xfrm>
         </p:spPr>
         <p:txBody>
@@ -286,9 +286,9 @@
           <a:bodyPr/>
           <a:lstStyle/>
           <a:p>
-            <a:fld id="{BB8F1B3F-F425-43A1-A5D6-4A28EB036C8A}" type="datetimeFigureOut">
-              <a:rPr lang="en-US" smtClean="0"/>
-              <a:t>2010-09-23</a:t>
+            <a:fld id="{3889BCE8-D54F-415E-BBF0-38E28FFDB94B}" type="datetimeFigureOut">
+              <a:rPr lang="en-US" smtClean="0"/>
+              <a:t>2011-06-08</a:t>
             </a:fld>
             <a:endParaRPr lang="en-US"/>
           </a:p>
@@ -328,7 +328,7 @@
           <a:bodyPr/>
           <a:lstStyle/>
           <a:p>
-            <a:fld id="{7E8B09F5-3231-45AB-B761-5B1B524C5000}" type="slidenum">
+            <a:fld id="{16C2B0D3-8BF5-4F79-A944-1C01CA4400FF}" type="slidenum">
               <a:rPr lang="en-US" smtClean="0"/>
               <a:t>‹#›</a:t>
             </a:fld>
@@ -339,7 +339,7 @@
     </p:spTree>
     <p:extLst>
       <p:ext uri="{BB962C8B-B14F-4D97-AF65-F5344CB8AC3E}">
-        <p14:creationId xmlns:p14="http://schemas.microsoft.com/office/powerpoint/2010/main" val="2095303590"/>
+        <p14:creationId xmlns:p14="http://schemas.microsoft.com/office/powerpoint/2010/main" val="1813745886"/>
       </p:ext>
     </p:extLst>
   </p:cSld>
@@ -456,9 +456,9 @@
           <a:bodyPr/>
           <a:lstStyle/>
           <a:p>
-            <a:fld id="{BB8F1B3F-F425-43A1-A5D6-4A28EB036C8A}" type="datetimeFigureOut">
-              <a:rPr lang="en-US" smtClean="0"/>
-              <a:t>2010-09-23</a:t>
+            <a:fld id="{3889BCE8-D54F-415E-BBF0-38E28FFDB94B}" type="datetimeFigureOut">
+              <a:rPr lang="en-US" smtClean="0"/>
+              <a:t>2011-06-08</a:t>
             </a:fld>
             <a:endParaRPr lang="en-US"/>
           </a:p>
@@ -498,7 +498,7 @@
           <a:bodyPr/>
           <a:lstStyle/>
           <a:p>
-            <a:fld id="{7E8B09F5-3231-45AB-B761-5B1B524C5000}" type="slidenum">
+            <a:fld id="{16C2B0D3-8BF5-4F79-A944-1C01CA4400FF}" type="slidenum">
               <a:rPr lang="en-US" smtClean="0"/>
               <a:t>‹#›</a:t>
             </a:fld>
@@ -509,7 +509,7 @@
     </p:spTree>
     <p:extLst>
       <p:ext uri="{BB962C8B-B14F-4D97-AF65-F5344CB8AC3E}">
-        <p14:creationId xmlns:p14="http://schemas.microsoft.com/office/powerpoint/2010/main" val="1749053017"/>
+        <p14:creationId xmlns:p14="http://schemas.microsoft.com/office/powerpoint/2010/main" val="214191163"/>
       </p:ext>
     </p:extLst>
   </p:cSld>
@@ -548,8 +548,8 @@
         </p:nvSpPr>
         <p:spPr>
           <a:xfrm>
-            <a:off x="14916150" y="274639"/>
-            <a:ext cx="4629150" cy="5851525"/>
+            <a:off x="7309248" y="147850"/>
+            <a:ext cx="2268616" cy="3146742"/>
           </a:xfrm>
         </p:spPr>
         <p:txBody>
@@ -576,8 +576,8 @@
         </p:nvSpPr>
         <p:spPr>
           <a:xfrm>
-            <a:off x="1028700" y="274639"/>
-            <a:ext cx="13658850" cy="5851525"/>
+            <a:off x="503397" y="147850"/>
+            <a:ext cx="6645831" cy="3146742"/>
           </a:xfrm>
         </p:spPr>
         <p:txBody>
@@ -636,9 +636,9 @@
           <a:bodyPr/>
           <a:lstStyle/>
           <a:p>
-            <a:fld id="{BB8F1B3F-F425-43A1-A5D6-4A28EB036C8A}" type="datetimeFigureOut">
-              <a:rPr lang="en-US" smtClean="0"/>
-              <a:t>2010-09-23</a:t>
+            <a:fld id="{3889BCE8-D54F-415E-BBF0-38E28FFDB94B}" type="datetimeFigureOut">
+              <a:rPr lang="en-US" smtClean="0"/>
+              <a:t>2011-06-08</a:t>
             </a:fld>
             <a:endParaRPr lang="en-US"/>
           </a:p>
@@ -678,7 +678,7 @@
           <a:bodyPr/>
           <a:lstStyle/>
           <a:p>
-            <a:fld id="{7E8B09F5-3231-45AB-B761-5B1B524C5000}" type="slidenum">
+            <a:fld id="{16C2B0D3-8BF5-4F79-A944-1C01CA4400FF}" type="slidenum">
               <a:rPr lang="en-US" smtClean="0"/>
               <a:t>‹#›</a:t>
             </a:fld>
@@ -689,7 +689,7 @@
     </p:spTree>
     <p:extLst>
       <p:ext uri="{BB962C8B-B14F-4D97-AF65-F5344CB8AC3E}">
-        <p14:creationId xmlns:p14="http://schemas.microsoft.com/office/powerpoint/2010/main" val="884516025"/>
+        <p14:creationId xmlns:p14="http://schemas.microsoft.com/office/powerpoint/2010/main" val="1157071920"/>
       </p:ext>
     </p:extLst>
   </p:cSld>
@@ -806,9 +806,9 @@
           <a:bodyPr/>
           <a:lstStyle/>
           <a:p>
-            <a:fld id="{BB8F1B3F-F425-43A1-A5D6-4A28EB036C8A}" type="datetimeFigureOut">
-              <a:rPr lang="en-US" smtClean="0"/>
-              <a:t>2010-09-23</a:t>
+            <a:fld id="{3889BCE8-D54F-415E-BBF0-38E28FFDB94B}" type="datetimeFigureOut">
+              <a:rPr lang="en-US" smtClean="0"/>
+              <a:t>2011-06-08</a:t>
             </a:fld>
             <a:endParaRPr lang="en-US"/>
           </a:p>
@@ -848,7 +848,7 @@
           <a:bodyPr/>
           <a:lstStyle/>
           <a:p>
-            <a:fld id="{7E8B09F5-3231-45AB-B761-5B1B524C5000}" type="slidenum">
+            <a:fld id="{16C2B0D3-8BF5-4F79-A944-1C01CA4400FF}" type="slidenum">
               <a:rPr lang="en-US" smtClean="0"/>
               <a:t>‹#›</a:t>
             </a:fld>
@@ -859,7 +859,7 @@
     </p:spTree>
     <p:extLst>
       <p:ext uri="{BB962C8B-B14F-4D97-AF65-F5344CB8AC3E}">
-        <p14:creationId xmlns:p14="http://schemas.microsoft.com/office/powerpoint/2010/main" val="1427269438"/>
+        <p14:creationId xmlns:p14="http://schemas.microsoft.com/office/powerpoint/2010/main" val="3383596726"/>
       </p:ext>
     </p:extLst>
   </p:cSld>
@@ -898,8 +898,8 @@
         </p:nvSpPr>
         <p:spPr>
           <a:xfrm>
-            <a:off x="1083470" y="4406901"/>
-            <a:ext cx="11658600" cy="1362075"/>
+            <a:off x="758429" y="3231727"/>
+            <a:ext cx="8161020" cy="998855"/>
           </a:xfrm>
         </p:spPr>
         <p:txBody>
@@ -930,8 +930,8 @@
         </p:nvSpPr>
         <p:spPr>
           <a:xfrm>
-            <a:off x="1083470" y="2906713"/>
-            <a:ext cx="11658600" cy="1500187"/>
+            <a:off x="758429" y="2131590"/>
+            <a:ext cx="8161020" cy="1100137"/>
           </a:xfrm>
         </p:spPr>
         <p:txBody>
@@ -1052,9 +1052,9 @@
           <a:bodyPr/>
           <a:lstStyle/>
           <a:p>
-            <a:fld id="{BB8F1B3F-F425-43A1-A5D6-4A28EB036C8A}" type="datetimeFigureOut">
-              <a:rPr lang="en-US" smtClean="0"/>
-              <a:t>2010-09-23</a:t>
+            <a:fld id="{3889BCE8-D54F-415E-BBF0-38E28FFDB94B}" type="datetimeFigureOut">
+              <a:rPr lang="en-US" smtClean="0"/>
+              <a:t>2011-06-08</a:t>
             </a:fld>
             <a:endParaRPr lang="en-US"/>
           </a:p>
@@ -1094,7 +1094,7 @@
           <a:bodyPr/>
           <a:lstStyle/>
           <a:p>
-            <a:fld id="{7E8B09F5-3231-45AB-B761-5B1B524C5000}" type="slidenum">
+            <a:fld id="{16C2B0D3-8BF5-4F79-A944-1C01CA4400FF}" type="slidenum">
               <a:rPr lang="en-US" smtClean="0"/>
               <a:t>‹#›</a:t>
             </a:fld>
@@ -1105,7 +1105,7 @@
     </p:spTree>
     <p:extLst>
       <p:ext uri="{BB962C8B-B14F-4D97-AF65-F5344CB8AC3E}">
-        <p14:creationId xmlns:p14="http://schemas.microsoft.com/office/powerpoint/2010/main" val="1653779036"/>
+        <p14:creationId xmlns:p14="http://schemas.microsoft.com/office/powerpoint/2010/main" val="3070331142"/>
       </p:ext>
     </p:extLst>
   </p:cSld>
@@ -1167,8 +1167,8 @@
         </p:nvSpPr>
         <p:spPr>
           <a:xfrm>
-            <a:off x="1028700" y="1600201"/>
-            <a:ext cx="9144000" cy="4525963"/>
+            <a:off x="503397" y="860320"/>
+            <a:ext cx="4457224" cy="2434272"/>
           </a:xfrm>
         </p:spPr>
         <p:txBody>
@@ -1252,8 +1252,8 @@
         </p:nvSpPr>
         <p:spPr>
           <a:xfrm>
-            <a:off x="10401300" y="1600201"/>
-            <a:ext cx="9144000" cy="4525963"/>
+            <a:off x="5120640" y="860320"/>
+            <a:ext cx="4457224" cy="2434272"/>
           </a:xfrm>
         </p:spPr>
         <p:txBody>
@@ -1340,9 +1340,9 @@
           <a:bodyPr/>
           <a:lstStyle/>
           <a:p>
-            <a:fld id="{BB8F1B3F-F425-43A1-A5D6-4A28EB036C8A}" type="datetimeFigureOut">
-              <a:rPr lang="en-US" smtClean="0"/>
-              <a:t>2010-09-23</a:t>
+            <a:fld id="{3889BCE8-D54F-415E-BBF0-38E28FFDB94B}" type="datetimeFigureOut">
+              <a:rPr lang="en-US" smtClean="0"/>
+              <a:t>2011-06-08</a:t>
             </a:fld>
             <a:endParaRPr lang="en-US"/>
           </a:p>
@@ -1382,7 +1382,7 @@
           <a:bodyPr/>
           <a:lstStyle/>
           <a:p>
-            <a:fld id="{7E8B09F5-3231-45AB-B761-5B1B524C5000}" type="slidenum">
+            <a:fld id="{16C2B0D3-8BF5-4F79-A944-1C01CA4400FF}" type="slidenum">
               <a:rPr lang="en-US" smtClean="0"/>
               <a:t>‹#›</a:t>
             </a:fld>
@@ -1393,7 +1393,7 @@
     </p:spTree>
     <p:extLst>
       <p:ext uri="{BB962C8B-B14F-4D97-AF65-F5344CB8AC3E}">
-        <p14:creationId xmlns:p14="http://schemas.microsoft.com/office/powerpoint/2010/main" val="3292777151"/>
+        <p14:creationId xmlns:p14="http://schemas.microsoft.com/office/powerpoint/2010/main" val="334394220"/>
       </p:ext>
     </p:extLst>
   </p:cSld>
@@ -1432,8 +1432,8 @@
         </p:nvSpPr>
         <p:spPr>
           <a:xfrm>
-            <a:off x="685800" y="274638"/>
-            <a:ext cx="12344400" cy="1143000"/>
+            <a:off x="480060" y="201401"/>
+            <a:ext cx="8641080" cy="838200"/>
           </a:xfrm>
         </p:spPr>
         <p:txBody>
@@ -1464,8 +1464,8 @@
         </p:nvSpPr>
         <p:spPr>
           <a:xfrm>
-            <a:off x="685800" y="1535113"/>
-            <a:ext cx="6060282" cy="639762"/>
+            <a:off x="480060" y="1125749"/>
+            <a:ext cx="4242197" cy="469159"/>
           </a:xfrm>
         </p:spPr>
         <p:txBody>
@@ -1529,8 +1529,8 @@
         </p:nvSpPr>
         <p:spPr>
           <a:xfrm>
-            <a:off x="685800" y="2174875"/>
-            <a:ext cx="6060282" cy="3951288"/>
+            <a:off x="480060" y="1594908"/>
+            <a:ext cx="4242197" cy="2897611"/>
           </a:xfrm>
         </p:spPr>
         <p:txBody>
@@ -1614,8 +1614,8 @@
         </p:nvSpPr>
         <p:spPr>
           <a:xfrm>
-            <a:off x="6967538" y="1535113"/>
-            <a:ext cx="6062663" cy="639762"/>
+            <a:off x="4877277" y="1125749"/>
+            <a:ext cx="4243864" cy="469159"/>
           </a:xfrm>
         </p:spPr>
         <p:txBody>
@@ -1679,8 +1679,8 @@
         </p:nvSpPr>
         <p:spPr>
           <a:xfrm>
-            <a:off x="6967538" y="2174875"/>
-            <a:ext cx="6062663" cy="3951288"/>
+            <a:off x="4877277" y="1594908"/>
+            <a:ext cx="4243864" cy="2897611"/>
           </a:xfrm>
         </p:spPr>
         <p:txBody>
@@ -1767,9 +1767,9 @@
           <a:bodyPr/>
           <a:lstStyle/>
           <a:p>
-            <a:fld id="{BB8F1B3F-F425-43A1-A5D6-4A28EB036C8A}" type="datetimeFigureOut">
-              <a:rPr lang="en-US" smtClean="0"/>
-              <a:t>2010-09-23</a:t>
+            <a:fld id="{3889BCE8-D54F-415E-BBF0-38E28FFDB94B}" type="datetimeFigureOut">
+              <a:rPr lang="en-US" smtClean="0"/>
+              <a:t>2011-06-08</a:t>
             </a:fld>
             <a:endParaRPr lang="en-US"/>
           </a:p>
@@ -1809,7 +1809,7 @@
           <a:bodyPr/>
           <a:lstStyle/>
           <a:p>
-            <a:fld id="{7E8B09F5-3231-45AB-B761-5B1B524C5000}" type="slidenum">
+            <a:fld id="{16C2B0D3-8BF5-4F79-A944-1C01CA4400FF}" type="slidenum">
               <a:rPr lang="en-US" smtClean="0"/>
               <a:t>‹#›</a:t>
             </a:fld>
@@ -1820,7 +1820,7 @@
     </p:spTree>
     <p:extLst>
       <p:ext uri="{BB962C8B-B14F-4D97-AF65-F5344CB8AC3E}">
-        <p14:creationId xmlns:p14="http://schemas.microsoft.com/office/powerpoint/2010/main" val="2637145240"/>
+        <p14:creationId xmlns:p14="http://schemas.microsoft.com/office/powerpoint/2010/main" val="2123319178"/>
       </p:ext>
     </p:extLst>
   </p:cSld>
@@ -1885,9 +1885,9 @@
           <a:bodyPr/>
           <a:lstStyle/>
           <a:p>
-            <a:fld id="{BB8F1B3F-F425-43A1-A5D6-4A28EB036C8A}" type="datetimeFigureOut">
-              <a:rPr lang="en-US" smtClean="0"/>
-              <a:t>2010-09-23</a:t>
+            <a:fld id="{3889BCE8-D54F-415E-BBF0-38E28FFDB94B}" type="datetimeFigureOut">
+              <a:rPr lang="en-US" smtClean="0"/>
+              <a:t>2011-06-08</a:t>
             </a:fld>
             <a:endParaRPr lang="en-US"/>
           </a:p>
@@ -1927,7 +1927,7 @@
           <a:bodyPr/>
           <a:lstStyle/>
           <a:p>
-            <a:fld id="{7E8B09F5-3231-45AB-B761-5B1B524C5000}" type="slidenum">
+            <a:fld id="{16C2B0D3-8BF5-4F79-A944-1C01CA4400FF}" type="slidenum">
               <a:rPr lang="en-US" smtClean="0"/>
               <a:t>‹#›</a:t>
             </a:fld>
@@ -1938,7 +1938,7 @@
     </p:spTree>
     <p:extLst>
       <p:ext uri="{BB962C8B-B14F-4D97-AF65-F5344CB8AC3E}">
-        <p14:creationId xmlns:p14="http://schemas.microsoft.com/office/powerpoint/2010/main" val="3285335828"/>
+        <p14:creationId xmlns:p14="http://schemas.microsoft.com/office/powerpoint/2010/main" val="1584793854"/>
       </p:ext>
     </p:extLst>
   </p:cSld>
@@ -1980,9 +1980,9 @@
           <a:bodyPr/>
           <a:lstStyle/>
           <a:p>
-            <a:fld id="{BB8F1B3F-F425-43A1-A5D6-4A28EB036C8A}" type="datetimeFigureOut">
-              <a:rPr lang="en-US" smtClean="0"/>
-              <a:t>2010-09-23</a:t>
+            <a:fld id="{3889BCE8-D54F-415E-BBF0-38E28FFDB94B}" type="datetimeFigureOut">
+              <a:rPr lang="en-US" smtClean="0"/>
+              <a:t>2011-06-08</a:t>
             </a:fld>
             <a:endParaRPr lang="en-US"/>
           </a:p>
@@ -2022,7 +2022,7 @@
           <a:bodyPr/>
           <a:lstStyle/>
           <a:p>
-            <a:fld id="{7E8B09F5-3231-45AB-B761-5B1B524C5000}" type="slidenum">
+            <a:fld id="{16C2B0D3-8BF5-4F79-A944-1C01CA4400FF}" type="slidenum">
               <a:rPr lang="en-US" smtClean="0"/>
               <a:t>‹#›</a:t>
             </a:fld>
@@ -2033,7 +2033,7 @@
     </p:spTree>
     <p:extLst>
       <p:ext uri="{BB962C8B-B14F-4D97-AF65-F5344CB8AC3E}">
-        <p14:creationId xmlns:p14="http://schemas.microsoft.com/office/powerpoint/2010/main" val="3145509525"/>
+        <p14:creationId xmlns:p14="http://schemas.microsoft.com/office/powerpoint/2010/main" val="153277918"/>
       </p:ext>
     </p:extLst>
   </p:cSld>
@@ -2072,8 +2072,8 @@
         </p:nvSpPr>
         <p:spPr>
           <a:xfrm>
-            <a:off x="685801" y="273050"/>
-            <a:ext cx="4512470" cy="1162050"/>
+            <a:off x="480060" y="200237"/>
+            <a:ext cx="3158729" cy="852170"/>
           </a:xfrm>
         </p:spPr>
         <p:txBody>
@@ -2104,8 +2104,8 @@
         </p:nvSpPr>
         <p:spPr>
           <a:xfrm>
-            <a:off x="5362575" y="273051"/>
-            <a:ext cx="7667625" cy="5853113"/>
+            <a:off x="3753802" y="200237"/>
+            <a:ext cx="5367338" cy="4292283"/>
           </a:xfrm>
         </p:spPr>
         <p:txBody>
@@ -2189,8 +2189,8 @@
         </p:nvSpPr>
         <p:spPr>
           <a:xfrm>
-            <a:off x="685801" y="1435101"/>
-            <a:ext cx="4512470" cy="4691063"/>
+            <a:off x="480060" y="1052407"/>
+            <a:ext cx="3158729" cy="3440113"/>
           </a:xfrm>
         </p:spPr>
         <p:txBody>
@@ -2257,9 +2257,9 @@
           <a:bodyPr/>
           <a:lstStyle/>
           <a:p>
-            <a:fld id="{BB8F1B3F-F425-43A1-A5D6-4A28EB036C8A}" type="datetimeFigureOut">
-              <a:rPr lang="en-US" smtClean="0"/>
-              <a:t>2010-09-23</a:t>
+            <a:fld id="{3889BCE8-D54F-415E-BBF0-38E28FFDB94B}" type="datetimeFigureOut">
+              <a:rPr lang="en-US" smtClean="0"/>
+              <a:t>2011-06-08</a:t>
             </a:fld>
             <a:endParaRPr lang="en-US"/>
           </a:p>
@@ -2299,7 +2299,7 @@
           <a:bodyPr/>
           <a:lstStyle/>
           <a:p>
-            <a:fld id="{7E8B09F5-3231-45AB-B761-5B1B524C5000}" type="slidenum">
+            <a:fld id="{16C2B0D3-8BF5-4F79-A944-1C01CA4400FF}" type="slidenum">
               <a:rPr lang="en-US" smtClean="0"/>
               <a:t>‹#›</a:t>
             </a:fld>
@@ -2310,7 +2310,7 @@
     </p:spTree>
     <p:extLst>
       <p:ext uri="{BB962C8B-B14F-4D97-AF65-F5344CB8AC3E}">
-        <p14:creationId xmlns:p14="http://schemas.microsoft.com/office/powerpoint/2010/main" val="4022407737"/>
+        <p14:creationId xmlns:p14="http://schemas.microsoft.com/office/powerpoint/2010/main" val="1418569792"/>
       </p:ext>
     </p:extLst>
   </p:cSld>
@@ -2349,8 +2349,8 @@
         </p:nvSpPr>
         <p:spPr>
           <a:xfrm>
-            <a:off x="2688432" y="4800600"/>
-            <a:ext cx="8229600" cy="566738"/>
+            <a:off x="1881902" y="3520440"/>
+            <a:ext cx="5760720" cy="415608"/>
           </a:xfrm>
         </p:spPr>
         <p:txBody>
@@ -2381,8 +2381,8 @@
         </p:nvSpPr>
         <p:spPr>
           <a:xfrm>
-            <a:off x="2688432" y="612775"/>
-            <a:ext cx="8229600" cy="4114800"/>
+            <a:off x="1881902" y="449368"/>
+            <a:ext cx="5760720" cy="3017520"/>
           </a:xfrm>
         </p:spPr>
         <p:txBody>
@@ -2442,8 +2442,8 @@
         </p:nvSpPr>
         <p:spPr>
           <a:xfrm>
-            <a:off x="2688432" y="5367338"/>
-            <a:ext cx="8229600" cy="804862"/>
+            <a:off x="1881902" y="3936048"/>
+            <a:ext cx="5760720" cy="590232"/>
           </a:xfrm>
         </p:spPr>
         <p:txBody>
@@ -2510,9 +2510,9 @@
           <a:bodyPr/>
           <a:lstStyle/>
           <a:p>
-            <a:fld id="{BB8F1B3F-F425-43A1-A5D6-4A28EB036C8A}" type="datetimeFigureOut">
-              <a:rPr lang="en-US" smtClean="0"/>
-              <a:t>2010-09-23</a:t>
+            <a:fld id="{3889BCE8-D54F-415E-BBF0-38E28FFDB94B}" type="datetimeFigureOut">
+              <a:rPr lang="en-US" smtClean="0"/>
+              <a:t>2011-06-08</a:t>
             </a:fld>
             <a:endParaRPr lang="en-US"/>
           </a:p>
@@ -2552,7 +2552,7 @@
           <a:bodyPr/>
           <a:lstStyle/>
           <a:p>
-            <a:fld id="{7E8B09F5-3231-45AB-B761-5B1B524C5000}" type="slidenum">
+            <a:fld id="{16C2B0D3-8BF5-4F79-A944-1C01CA4400FF}" type="slidenum">
               <a:rPr lang="en-US" smtClean="0"/>
               <a:t>‹#›</a:t>
             </a:fld>
@@ -2563,7 +2563,7 @@
     </p:spTree>
     <p:extLst>
       <p:ext uri="{BB962C8B-B14F-4D97-AF65-F5344CB8AC3E}">
-        <p14:creationId xmlns:p14="http://schemas.microsoft.com/office/powerpoint/2010/main" val="598593130"/>
+        <p14:creationId xmlns:p14="http://schemas.microsoft.com/office/powerpoint/2010/main" val="1778311445"/>
       </p:ext>
     </p:extLst>
   </p:cSld>
@@ -2607,8 +2607,8 @@
         </p:nvSpPr>
         <p:spPr>
           <a:xfrm>
-            <a:off x="685800" y="274638"/>
-            <a:ext cx="12344400" cy="1143000"/>
+            <a:off x="480060" y="201401"/>
+            <a:ext cx="8641080" cy="838200"/>
           </a:xfrm>
           <a:prstGeom prst="rect">
             <a:avLst/>
@@ -2640,8 +2640,8 @@
         </p:nvSpPr>
         <p:spPr>
           <a:xfrm>
-            <a:off x="685800" y="1600201"/>
-            <a:ext cx="12344400" cy="4525963"/>
+            <a:off x="480060" y="1173480"/>
+            <a:ext cx="8641080" cy="3319040"/>
           </a:xfrm>
           <a:prstGeom prst="rect">
             <a:avLst/>
@@ -2702,8 +2702,8 @@
         </p:nvSpPr>
         <p:spPr>
           <a:xfrm>
-            <a:off x="685800" y="6356351"/>
-            <a:ext cx="3200400" cy="365125"/>
+            <a:off x="480060" y="4661324"/>
+            <a:ext cx="2240280" cy="267758"/>
           </a:xfrm>
           <a:prstGeom prst="rect">
             <a:avLst/>
@@ -2723,9 +2723,9 @@
             </a:lvl1pPr>
           </a:lstStyle>
           <a:p>
-            <a:fld id="{BB8F1B3F-F425-43A1-A5D6-4A28EB036C8A}" type="datetimeFigureOut">
-              <a:rPr lang="en-US" smtClean="0"/>
-              <a:t>2010-09-23</a:t>
+            <a:fld id="{3889BCE8-D54F-415E-BBF0-38E28FFDB94B}" type="datetimeFigureOut">
+              <a:rPr lang="en-US" smtClean="0"/>
+              <a:t>2011-06-08</a:t>
             </a:fld>
             <a:endParaRPr lang="en-US"/>
           </a:p>
@@ -2743,8 +2743,8 @@
         </p:nvSpPr>
         <p:spPr>
           <a:xfrm>
-            <a:off x="4686300" y="6356351"/>
-            <a:ext cx="4343400" cy="365125"/>
+            <a:off x="3280410" y="4661324"/>
+            <a:ext cx="3040380" cy="267758"/>
           </a:xfrm>
           <a:prstGeom prst="rect">
             <a:avLst/>
@@ -2780,8 +2780,8 @@
         </p:nvSpPr>
         <p:spPr>
           <a:xfrm>
-            <a:off x="9829800" y="6356351"/>
-            <a:ext cx="3200400" cy="365125"/>
+            <a:off x="6880860" y="4661324"/>
+            <a:ext cx="2240280" cy="267758"/>
           </a:xfrm>
           <a:prstGeom prst="rect">
             <a:avLst/>
@@ -2801,7 +2801,7 @@
             </a:lvl1pPr>
           </a:lstStyle>
           <a:p>
-            <a:fld id="{7E8B09F5-3231-45AB-B761-5B1B524C5000}" type="slidenum">
+            <a:fld id="{16C2B0D3-8BF5-4F79-A944-1C01CA4400FF}" type="slidenum">
               <a:rPr lang="en-US" smtClean="0"/>
               <a:t>‹#›</a:t>
             </a:fld>
@@ -2812,7 +2812,7 @@
     </p:spTree>
     <p:extLst>
       <p:ext uri="{BB962C8B-B14F-4D97-AF65-F5344CB8AC3E}">
-        <p14:creationId xmlns:p14="http://schemas.microsoft.com/office/powerpoint/2010/main" val="662538647"/>
+        <p14:creationId xmlns:p14="http://schemas.microsoft.com/office/powerpoint/2010/main" val="2105049127"/>
       </p:ext>
     </p:extLst>
   </p:cSld>
@@ -3102,13 +3102,13 @@
       </p:grpSpPr>
       <p:sp>
         <p:nvSpPr>
-          <p:cNvPr id="4" name="TextBox 3"/>
+          <p:cNvPr id="44" name="TextBox 43"/>
           <p:cNvSpPr txBox="1"/>
           <p:nvPr/>
         </p:nvSpPr>
         <p:spPr>
           <a:xfrm>
-            <a:off x="48331" y="2999605"/>
+            <a:off x="124531" y="2353274"/>
             <a:ext cx="866071" cy="276999"/>
           </a:xfrm>
           <a:prstGeom prst="rect">
@@ -3140,13 +3140,13 @@
       </p:sp>
       <p:cxnSp>
         <p:nvCxnSpPr>
-          <p:cNvPr id="5" name="Straight Arrow Connector 4"/>
+          <p:cNvPr id="45" name="Straight Arrow Connector 44"/>
           <p:cNvCxnSpPr/>
           <p:nvPr/>
         </p:nvCxnSpPr>
         <p:spPr>
           <a:xfrm>
-            <a:off x="896572" y="3124200"/>
+            <a:off x="972772" y="2477869"/>
             <a:ext cx="586737" cy="0"/>
           </a:xfrm>
           <a:prstGeom prst="straightConnector1">
@@ -3177,13 +3177,13 @@
       </p:cxnSp>
       <p:cxnSp>
         <p:nvCxnSpPr>
-          <p:cNvPr id="6" name="Straight Arrow Connector 5"/>
+          <p:cNvPr id="46" name="Straight Arrow Connector 45"/>
           <p:cNvCxnSpPr/>
           <p:nvPr/>
         </p:nvCxnSpPr>
         <p:spPr>
           <a:xfrm flipH="1">
-            <a:off x="896570" y="3200400"/>
+            <a:off x="972770" y="2554069"/>
             <a:ext cx="586739" cy="0"/>
           </a:xfrm>
           <a:prstGeom prst="straightConnector1">
@@ -3214,13 +3214,13 @@
       </p:cxnSp>
       <p:sp>
         <p:nvSpPr>
-          <p:cNvPr id="7" name="TextBox 6"/>
+          <p:cNvPr id="47" name="TextBox 46"/>
           <p:cNvSpPr txBox="1"/>
           <p:nvPr/>
         </p:nvSpPr>
         <p:spPr>
           <a:xfrm>
-            <a:off x="1501544" y="2924788"/>
+            <a:off x="1577744" y="2278457"/>
             <a:ext cx="668003" cy="461665"/>
           </a:xfrm>
           <a:prstGeom prst="rect">
@@ -3264,13 +3264,13 @@
       </p:sp>
       <p:sp>
         <p:nvSpPr>
-          <p:cNvPr id="8" name="TextBox 7"/>
+          <p:cNvPr id="48" name="TextBox 47"/>
           <p:cNvSpPr txBox="1"/>
           <p:nvPr/>
         </p:nvSpPr>
         <p:spPr>
           <a:xfrm>
-            <a:off x="797441" y="2119923"/>
+            <a:off x="873641" y="1473592"/>
             <a:ext cx="2098159" cy="553998"/>
           </a:xfrm>
           <a:prstGeom prst="rect">
@@ -3322,13 +3322,13 @@
       </p:sp>
       <p:sp>
         <p:nvSpPr>
-          <p:cNvPr id="9" name="TextBox 8"/>
+          <p:cNvPr id="49" name="TextBox 48"/>
           <p:cNvSpPr txBox="1"/>
           <p:nvPr/>
         </p:nvSpPr>
         <p:spPr>
           <a:xfrm>
-            <a:off x="666750" y="3284577"/>
+            <a:off x="742950" y="2638246"/>
             <a:ext cx="1066800" cy="553998"/>
           </a:xfrm>
           <a:prstGeom prst="rect">
@@ -3385,13 +3385,13 @@
       </p:sp>
       <p:cxnSp>
         <p:nvCxnSpPr>
-          <p:cNvPr id="10" name="Straight Arrow Connector 9"/>
+          <p:cNvPr id="50" name="Straight Arrow Connector 49"/>
           <p:cNvCxnSpPr/>
           <p:nvPr/>
         </p:nvCxnSpPr>
         <p:spPr>
           <a:xfrm>
-            <a:off x="2145812" y="2895600"/>
+            <a:off x="2222012" y="2249269"/>
             <a:ext cx="586737" cy="0"/>
           </a:xfrm>
           <a:prstGeom prst="straightConnector1">
@@ -3422,13 +3422,13 @@
       </p:cxnSp>
       <p:cxnSp>
         <p:nvCxnSpPr>
-          <p:cNvPr id="11" name="Straight Arrow Connector 10"/>
+          <p:cNvPr id="51" name="Straight Arrow Connector 50"/>
           <p:cNvCxnSpPr/>
           <p:nvPr/>
         </p:nvCxnSpPr>
         <p:spPr>
           <a:xfrm flipH="1">
-            <a:off x="2143190" y="2971800"/>
+            <a:off x="2219390" y="2325469"/>
             <a:ext cx="586739" cy="0"/>
           </a:xfrm>
           <a:prstGeom prst="straightConnector1">
@@ -3459,13 +3459,13 @@
       </p:cxnSp>
       <p:cxnSp>
         <p:nvCxnSpPr>
-          <p:cNvPr id="12" name="Straight Arrow Connector 11"/>
+          <p:cNvPr id="52" name="Straight Arrow Connector 51"/>
           <p:cNvCxnSpPr/>
           <p:nvPr/>
         </p:nvCxnSpPr>
         <p:spPr>
           <a:xfrm>
-            <a:off x="2161509" y="3272135"/>
+            <a:off x="2237709" y="2625804"/>
             <a:ext cx="586737" cy="0"/>
           </a:xfrm>
           <a:prstGeom prst="straightConnector1">
@@ -3496,13 +3496,13 @@
       </p:cxnSp>
       <p:cxnSp>
         <p:nvCxnSpPr>
-          <p:cNvPr id="13" name="Straight Arrow Connector 12"/>
+          <p:cNvPr id="53" name="Straight Arrow Connector 52"/>
           <p:cNvCxnSpPr/>
           <p:nvPr/>
         </p:nvCxnSpPr>
         <p:spPr>
           <a:xfrm flipH="1">
-            <a:off x="2158887" y="3348335"/>
+            <a:off x="2235087" y="2702004"/>
             <a:ext cx="586739" cy="0"/>
           </a:xfrm>
           <a:prstGeom prst="straightConnector1">
@@ -3533,13 +3533,13 @@
       </p:cxnSp>
       <p:sp>
         <p:nvSpPr>
-          <p:cNvPr id="14" name="TextBox 13"/>
+          <p:cNvPr id="54" name="TextBox 53"/>
           <p:cNvSpPr txBox="1"/>
           <p:nvPr/>
         </p:nvSpPr>
         <p:spPr>
           <a:xfrm>
-            <a:off x="2886077" y="2696188"/>
+            <a:off x="2962277" y="2049857"/>
             <a:ext cx="800797" cy="461665"/>
           </a:xfrm>
           <a:prstGeom prst="rect">
@@ -3583,13 +3583,13 @@
       </p:sp>
       <p:sp>
         <p:nvSpPr>
-          <p:cNvPr id="15" name="TextBox 14"/>
+          <p:cNvPr id="55" name="TextBox 54"/>
           <p:cNvSpPr txBox="1"/>
           <p:nvPr/>
         </p:nvSpPr>
         <p:spPr>
           <a:xfrm>
-            <a:off x="2789065" y="3079203"/>
+            <a:off x="2865265" y="2432872"/>
             <a:ext cx="1015022" cy="461665"/>
           </a:xfrm>
           <a:prstGeom prst="rect">
@@ -3628,13 +3628,13 @@
       </p:sp>
       <p:sp>
         <p:nvSpPr>
-          <p:cNvPr id="16" name="TextBox 15"/>
+          <p:cNvPr id="56" name="TextBox 55"/>
           <p:cNvSpPr txBox="1"/>
           <p:nvPr/>
         </p:nvSpPr>
         <p:spPr>
           <a:xfrm>
-            <a:off x="2819400" y="895290"/>
+            <a:off x="2895600" y="248959"/>
             <a:ext cx="1752600" cy="400110"/>
           </a:xfrm>
           <a:prstGeom prst="rect">
@@ -3654,15 +3654,7 @@
                 <a:ea typeface="Tahoma" pitchFamily="34" charset="0"/>
                 <a:cs typeface="Tahoma" pitchFamily="34" charset="0"/>
               </a:rPr>
-              <a:t>Transport may be HTTP, TCP Socket, </a:t>
-            </a:r>
-            <a:r>
-              <a:rPr lang="en-US" sz="1000" dirty="0" err="1" smtClean="0">
-                <a:latin typeface="Tahoma" pitchFamily="34" charset="0"/>
-                <a:ea typeface="Tahoma" pitchFamily="34" charset="0"/>
-                <a:cs typeface="Tahoma" pitchFamily="34" charset="0"/>
-              </a:rPr>
-              <a:t>WebSocket</a:t>
+              <a:t>Transport may be </a:t>
             </a:r>
             <a:r>
               <a:rPr lang="en-US" sz="1000" dirty="0" smtClean="0">
@@ -3670,20 +3662,25 @@
                 <a:ea typeface="Tahoma" pitchFamily="34" charset="0"/>
                 <a:cs typeface="Tahoma" pitchFamily="34" charset="0"/>
               </a:rPr>
-              <a:t>.</a:t>
-            </a:r>
-          </a:p>
-        </p:txBody>
-      </p:sp>
-      <p:sp>
-        <p:nvSpPr>
-          <p:cNvPr id="17" name="TextBox 16"/>
+              <a:t>HTTP or TCP Socket</a:t>
+            </a:r>
+            <a:endParaRPr lang="en-US" sz="1000" dirty="0" smtClean="0">
+              <a:latin typeface="Tahoma" pitchFamily="34" charset="0"/>
+              <a:ea typeface="Tahoma" pitchFamily="34" charset="0"/>
+              <a:cs typeface="Tahoma" pitchFamily="34" charset="0"/>
+            </a:endParaRPr>
+          </a:p>
+        </p:txBody>
+      </p:sp>
+      <p:sp>
+        <p:nvSpPr>
+          <p:cNvPr id="57" name="TextBox 56"/>
           <p:cNvSpPr txBox="1"/>
           <p:nvPr/>
         </p:nvSpPr>
         <p:spPr>
           <a:xfrm>
-            <a:off x="2809875" y="1805226"/>
+            <a:off x="2886075" y="1158895"/>
             <a:ext cx="1817208" cy="861774"/>
           </a:xfrm>
           <a:prstGeom prst="rect">
@@ -3741,13 +3738,13 @@
       </p:sp>
       <p:cxnSp>
         <p:nvCxnSpPr>
-          <p:cNvPr id="24" name="Straight Arrow Connector 23"/>
+          <p:cNvPr id="58" name="Straight Arrow Connector 57"/>
           <p:cNvCxnSpPr/>
           <p:nvPr/>
         </p:nvCxnSpPr>
         <p:spPr>
           <a:xfrm>
-            <a:off x="3842485" y="2876546"/>
+            <a:off x="3918685" y="2230215"/>
             <a:ext cx="586737" cy="0"/>
           </a:xfrm>
           <a:prstGeom prst="straightConnector1">
@@ -3779,13 +3776,13 @@
       </p:cxnSp>
       <p:cxnSp>
         <p:nvCxnSpPr>
-          <p:cNvPr id="25" name="Straight Arrow Connector 24"/>
+          <p:cNvPr id="59" name="Straight Arrow Connector 58"/>
           <p:cNvCxnSpPr/>
           <p:nvPr/>
         </p:nvCxnSpPr>
         <p:spPr>
           <a:xfrm flipH="1">
-            <a:off x="3839863" y="2952746"/>
+            <a:off x="3916063" y="2306415"/>
             <a:ext cx="586739" cy="0"/>
           </a:xfrm>
           <a:prstGeom prst="straightConnector1">
@@ -3796,821 +3793,6 @@
               <a:schemeClr val="tx1"/>
             </a:solidFill>
             <a:prstDash val="sysDash"/>
-            <a:round/>
-            <a:tailEnd type="triangle"/>
-          </a:ln>
-        </p:spPr>
-        <p:style>
-          <a:lnRef idx="1">
-            <a:schemeClr val="accent1"/>
-          </a:lnRef>
-          <a:fillRef idx="0">
-            <a:schemeClr val="accent1"/>
-          </a:fillRef>
-          <a:effectRef idx="0">
-            <a:schemeClr val="accent1"/>
-          </a:effectRef>
-          <a:fontRef idx="minor">
-            <a:schemeClr val="tx1"/>
-          </a:fontRef>
-        </p:style>
-      </p:cxnSp>
-      <p:cxnSp>
-        <p:nvCxnSpPr>
-          <p:cNvPr id="26" name="Straight Arrow Connector 25"/>
-          <p:cNvCxnSpPr/>
-          <p:nvPr/>
-        </p:nvCxnSpPr>
-        <p:spPr>
-          <a:xfrm>
-            <a:off x="3858182" y="3253081"/>
-            <a:ext cx="586737" cy="0"/>
-          </a:xfrm>
-          <a:prstGeom prst="straightConnector1">
-            <a:avLst/>
-          </a:prstGeom>
-          <a:ln w="19050" cap="flat">
-            <a:solidFill>
-              <a:schemeClr val="tx1"/>
-            </a:solidFill>
-            <a:prstDash val="sysDash"/>
-            <a:round/>
-            <a:tailEnd type="triangle"/>
-          </a:ln>
-        </p:spPr>
-        <p:style>
-          <a:lnRef idx="1">
-            <a:schemeClr val="accent1"/>
-          </a:lnRef>
-          <a:fillRef idx="0">
-            <a:schemeClr val="accent1"/>
-          </a:fillRef>
-          <a:effectRef idx="0">
-            <a:schemeClr val="accent1"/>
-          </a:effectRef>
-          <a:fontRef idx="minor">
-            <a:schemeClr val="tx1"/>
-          </a:fontRef>
-        </p:style>
-      </p:cxnSp>
-      <p:cxnSp>
-        <p:nvCxnSpPr>
-          <p:cNvPr id="27" name="Straight Arrow Connector 26"/>
-          <p:cNvCxnSpPr/>
-          <p:nvPr/>
-        </p:nvCxnSpPr>
-        <p:spPr>
-          <a:xfrm flipH="1">
-            <a:off x="3836104" y="3329281"/>
-            <a:ext cx="586739" cy="0"/>
-          </a:xfrm>
-          <a:prstGeom prst="straightConnector1">
-            <a:avLst/>
-          </a:prstGeom>
-          <a:ln w="19050" cap="flat">
-            <a:solidFill>
-              <a:schemeClr val="tx1"/>
-            </a:solidFill>
-            <a:prstDash val="sysDash"/>
-            <a:round/>
-            <a:tailEnd type="triangle"/>
-          </a:ln>
-        </p:spPr>
-        <p:style>
-          <a:lnRef idx="1">
-            <a:schemeClr val="accent1"/>
-          </a:lnRef>
-          <a:fillRef idx="0">
-            <a:schemeClr val="accent1"/>
-          </a:fillRef>
-          <a:effectRef idx="0">
-            <a:schemeClr val="accent1"/>
-          </a:effectRef>
-          <a:fontRef idx="minor">
-            <a:schemeClr val="tx1"/>
-          </a:fontRef>
-        </p:style>
-      </p:cxnSp>
-      <p:sp>
-        <p:nvSpPr>
-          <p:cNvPr id="28" name="Left Brace 27"/>
-          <p:cNvSpPr/>
-          <p:nvPr/>
-        </p:nvSpPr>
-        <p:spPr>
-          <a:xfrm rot="16200000">
-            <a:off x="2409178" y="2553681"/>
-            <a:ext cx="123219" cy="3135629"/>
-          </a:xfrm>
-          <a:prstGeom prst="leftBrace">
-            <a:avLst/>
-          </a:prstGeom>
-          <a:ln w="19050">
-            <a:solidFill>
-              <a:schemeClr val="tx1">
-                <a:lumMod val="50000"/>
-                <a:lumOff val="50000"/>
-              </a:schemeClr>
-            </a:solidFill>
-          </a:ln>
-        </p:spPr>
-        <p:style>
-          <a:lnRef idx="1">
-            <a:schemeClr val="accent1"/>
-          </a:lnRef>
-          <a:fillRef idx="0">
-            <a:schemeClr val="accent1"/>
-          </a:fillRef>
-          <a:effectRef idx="0">
-            <a:schemeClr val="accent1"/>
-          </a:effectRef>
-          <a:fontRef idx="minor">
-            <a:schemeClr val="tx1"/>
-          </a:fontRef>
-        </p:style>
-        <p:txBody>
-          <a:bodyPr rtlCol="0" anchor="ctr"/>
-          <a:lstStyle/>
-          <a:p>
-            <a:pPr algn="ctr"/>
-            <a:endParaRPr lang="en-US" dirty="0"/>
-          </a:p>
-        </p:txBody>
-      </p:sp>
-      <p:sp>
-        <p:nvSpPr>
-          <p:cNvPr id="29" name="TextBox 28"/>
-          <p:cNvSpPr txBox="1"/>
-          <p:nvPr/>
-        </p:nvSpPr>
-        <p:spPr>
-          <a:xfrm>
-            <a:off x="2001663" y="4173379"/>
-            <a:ext cx="970137" cy="246221"/>
-          </a:xfrm>
-          <a:prstGeom prst="rect">
-            <a:avLst/>
-          </a:prstGeom>
-          <a:noFill/>
-        </p:spPr>
-        <p:txBody>
-          <a:bodyPr wrap="none" rtlCol="0">
-            <a:spAutoFit/>
-          </a:bodyPr>
-          <a:lstStyle/>
-          <a:p>
-            <a:r>
-              <a:rPr lang="en-US" sz="1000" dirty="0" smtClean="0">
-                <a:latin typeface="Tahoma" pitchFamily="34" charset="0"/>
-                <a:ea typeface="Tahoma" pitchFamily="34" charset="0"/>
-                <a:cs typeface="Tahoma" pitchFamily="34" charset="0"/>
-              </a:rPr>
-              <a:t>Minerva client</a:t>
-            </a:r>
-          </a:p>
-        </p:txBody>
-      </p:sp>
-      <p:sp>
-        <p:nvSpPr>
-          <p:cNvPr id="36" name="TextBox 35"/>
-          <p:cNvSpPr txBox="1"/>
-          <p:nvPr/>
-        </p:nvSpPr>
-        <p:spPr>
-          <a:xfrm>
-            <a:off x="3657600" y="3409890"/>
-            <a:ext cx="979008" cy="553998"/>
-          </a:xfrm>
-          <a:prstGeom prst="rect">
-            <a:avLst/>
-          </a:prstGeom>
-          <a:noFill/>
-        </p:spPr>
-        <p:txBody>
-          <a:bodyPr wrap="square" rtlCol="0">
-            <a:spAutoFit/>
-          </a:bodyPr>
-          <a:lstStyle/>
-          <a:p>
-            <a:pPr algn="ctr"/>
-            <a:r>
-              <a:rPr lang="en-US" sz="1000" dirty="0" smtClean="0">
-                <a:latin typeface="Tahoma" pitchFamily="34" charset="0"/>
-                <a:ea typeface="Tahoma" pitchFamily="34" charset="0"/>
-                <a:cs typeface="Tahoma" pitchFamily="34" charset="0"/>
-              </a:rPr>
-              <a:t>Minerva wire protocol over TCP or HTTP</a:t>
-            </a:r>
-            <a:endParaRPr lang="en-US" sz="1000" dirty="0">
-              <a:latin typeface="Tahoma" pitchFamily="34" charset="0"/>
-              <a:ea typeface="Tahoma" pitchFamily="34" charset="0"/>
-              <a:cs typeface="Tahoma" pitchFamily="34" charset="0"/>
-            </a:endParaRPr>
-          </a:p>
-        </p:txBody>
-      </p:sp>
-      <p:sp>
-        <p:nvSpPr>
-          <p:cNvPr id="42" name="Left Brace 41"/>
-          <p:cNvSpPr/>
-          <p:nvPr/>
-        </p:nvSpPr>
-        <p:spPr>
-          <a:xfrm rot="16200000">
-            <a:off x="5797879" y="2529209"/>
-            <a:ext cx="123218" cy="3184571"/>
-          </a:xfrm>
-          <a:prstGeom prst="leftBrace">
-            <a:avLst/>
-          </a:prstGeom>
-          <a:ln w="19050">
-            <a:solidFill>
-              <a:schemeClr val="tx1">
-                <a:lumMod val="50000"/>
-                <a:lumOff val="50000"/>
-              </a:schemeClr>
-            </a:solidFill>
-          </a:ln>
-        </p:spPr>
-        <p:style>
-          <a:lnRef idx="1">
-            <a:schemeClr val="accent1"/>
-          </a:lnRef>
-          <a:fillRef idx="0">
-            <a:schemeClr val="accent1"/>
-          </a:fillRef>
-          <a:effectRef idx="0">
-            <a:schemeClr val="accent1"/>
-          </a:effectRef>
-          <a:fontRef idx="minor">
-            <a:schemeClr val="tx1"/>
-          </a:fontRef>
-        </p:style>
-        <p:txBody>
-          <a:bodyPr rtlCol="0" anchor="ctr"/>
-          <a:lstStyle/>
-          <a:p>
-            <a:pPr algn="ctr"/>
-            <a:endParaRPr lang="en-US" dirty="0"/>
-          </a:p>
-        </p:txBody>
-      </p:sp>
-      <p:sp>
-        <p:nvSpPr>
-          <p:cNvPr id="43" name="TextBox 42"/>
-          <p:cNvSpPr txBox="1"/>
-          <p:nvPr/>
-        </p:nvSpPr>
-        <p:spPr>
-          <a:xfrm>
-            <a:off x="5380969" y="4173379"/>
-            <a:ext cx="1019831" cy="246221"/>
-          </a:xfrm>
-          <a:prstGeom prst="rect">
-            <a:avLst/>
-          </a:prstGeom>
-          <a:noFill/>
-        </p:spPr>
-        <p:txBody>
-          <a:bodyPr wrap="none" rtlCol="0">
-            <a:spAutoFit/>
-          </a:bodyPr>
-          <a:lstStyle/>
-          <a:p>
-            <a:r>
-              <a:rPr lang="en-US" sz="1000" dirty="0" smtClean="0">
-                <a:latin typeface="Tahoma" pitchFamily="34" charset="0"/>
-                <a:ea typeface="Tahoma" pitchFamily="34" charset="0"/>
-                <a:cs typeface="Tahoma" pitchFamily="34" charset="0"/>
-              </a:rPr>
-              <a:t>Minerva server</a:t>
-            </a:r>
-          </a:p>
-        </p:txBody>
-      </p:sp>
-      <p:sp>
-        <p:nvSpPr>
-          <p:cNvPr id="45" name="TextBox 44"/>
-          <p:cNvSpPr txBox="1"/>
-          <p:nvPr/>
-        </p:nvSpPr>
-        <p:spPr>
-          <a:xfrm>
-            <a:off x="4608149" y="2696188"/>
-            <a:ext cx="800797" cy="461665"/>
-          </a:xfrm>
-          <a:prstGeom prst="rect">
-            <a:avLst/>
-          </a:prstGeom>
-          <a:noFill/>
-        </p:spPr>
-        <p:txBody>
-          <a:bodyPr wrap="none" rtlCol="0">
-            <a:spAutoFit/>
-          </a:bodyPr>
-          <a:lstStyle/>
-          <a:p>
-            <a:pPr algn="ctr"/>
-            <a:r>
-              <a:rPr lang="en-US" sz="1200" dirty="0" smtClean="0">
-                <a:latin typeface="Tahoma" pitchFamily="34" charset="0"/>
-                <a:ea typeface="Tahoma" pitchFamily="34" charset="0"/>
-                <a:cs typeface="Tahoma" pitchFamily="34" charset="0"/>
-              </a:rPr>
-              <a:t>Primary</a:t>
-            </a:r>
-          </a:p>
-          <a:p>
-            <a:pPr algn="ctr"/>
-            <a:r>
-              <a:rPr lang="en-US" sz="1200" dirty="0" smtClean="0">
-                <a:latin typeface="Tahoma" pitchFamily="34" charset="0"/>
-                <a:ea typeface="Tahoma" pitchFamily="34" charset="0"/>
-                <a:cs typeface="Tahoma" pitchFamily="34" charset="0"/>
-              </a:rPr>
-              <a:t>transport</a:t>
-            </a:r>
-            <a:endParaRPr lang="en-US" sz="1200" dirty="0">
-              <a:latin typeface="Tahoma" pitchFamily="34" charset="0"/>
-              <a:ea typeface="Tahoma" pitchFamily="34" charset="0"/>
-              <a:cs typeface="Tahoma" pitchFamily="34" charset="0"/>
-            </a:endParaRPr>
-          </a:p>
-        </p:txBody>
-      </p:sp>
-      <p:sp>
-        <p:nvSpPr>
-          <p:cNvPr id="46" name="TextBox 45"/>
-          <p:cNvSpPr txBox="1"/>
-          <p:nvPr/>
-        </p:nvSpPr>
-        <p:spPr>
-          <a:xfrm>
-            <a:off x="4511137" y="3079203"/>
-            <a:ext cx="1015022" cy="461665"/>
-          </a:xfrm>
-          <a:prstGeom prst="rect">
-            <a:avLst/>
-          </a:prstGeom>
-          <a:noFill/>
-        </p:spPr>
-        <p:txBody>
-          <a:bodyPr wrap="none" rtlCol="0">
-            <a:spAutoFit/>
-          </a:bodyPr>
-          <a:lstStyle/>
-          <a:p>
-            <a:pPr algn="ctr"/>
-            <a:r>
-              <a:rPr lang="en-US" sz="1200" dirty="0" smtClean="0">
-                <a:latin typeface="Tahoma" pitchFamily="34" charset="0"/>
-                <a:ea typeface="Tahoma" pitchFamily="34" charset="0"/>
-                <a:cs typeface="Tahoma" pitchFamily="34" charset="0"/>
-              </a:rPr>
-              <a:t>A secondary</a:t>
-            </a:r>
-          </a:p>
-          <a:p>
-            <a:pPr algn="ctr"/>
-            <a:r>
-              <a:rPr lang="en-US" sz="1200" dirty="0" smtClean="0">
-                <a:latin typeface="Tahoma" pitchFamily="34" charset="0"/>
-                <a:ea typeface="Tahoma" pitchFamily="34" charset="0"/>
-                <a:cs typeface="Tahoma" pitchFamily="34" charset="0"/>
-              </a:rPr>
-              <a:t>transport</a:t>
-            </a:r>
-          </a:p>
-        </p:txBody>
-      </p:sp>
-      <p:cxnSp>
-        <p:nvCxnSpPr>
-          <p:cNvPr id="47" name="Straight Arrow Connector 46"/>
-          <p:cNvCxnSpPr/>
-          <p:nvPr/>
-        </p:nvCxnSpPr>
-        <p:spPr>
-          <a:xfrm>
-            <a:off x="5500646" y="2857504"/>
-            <a:ext cx="586737" cy="0"/>
-          </a:xfrm>
-          <a:prstGeom prst="straightConnector1">
-            <a:avLst/>
-          </a:prstGeom>
-          <a:ln w="19050" cap="flat">
-            <a:solidFill>
-              <a:schemeClr val="tx1"/>
-            </a:solidFill>
-            <a:round/>
-            <a:tailEnd type="triangle"/>
-          </a:ln>
-        </p:spPr>
-        <p:style>
-          <a:lnRef idx="1">
-            <a:schemeClr val="accent1"/>
-          </a:lnRef>
-          <a:fillRef idx="0">
-            <a:schemeClr val="accent1"/>
-          </a:fillRef>
-          <a:effectRef idx="0">
-            <a:schemeClr val="accent1"/>
-          </a:effectRef>
-          <a:fontRef idx="minor">
-            <a:schemeClr val="tx1"/>
-          </a:fontRef>
-        </p:style>
-      </p:cxnSp>
-      <p:cxnSp>
-        <p:nvCxnSpPr>
-          <p:cNvPr id="48" name="Straight Arrow Connector 47"/>
-          <p:cNvCxnSpPr/>
-          <p:nvPr/>
-        </p:nvCxnSpPr>
-        <p:spPr>
-          <a:xfrm flipH="1">
-            <a:off x="5498024" y="2933704"/>
-            <a:ext cx="586739" cy="0"/>
-          </a:xfrm>
-          <a:prstGeom prst="straightConnector1">
-            <a:avLst/>
-          </a:prstGeom>
-          <a:ln w="19050" cap="flat">
-            <a:solidFill>
-              <a:schemeClr val="tx1"/>
-            </a:solidFill>
-            <a:round/>
-            <a:tailEnd type="triangle"/>
-          </a:ln>
-        </p:spPr>
-        <p:style>
-          <a:lnRef idx="1">
-            <a:schemeClr val="accent1"/>
-          </a:lnRef>
-          <a:fillRef idx="0">
-            <a:schemeClr val="accent1"/>
-          </a:fillRef>
-          <a:effectRef idx="0">
-            <a:schemeClr val="accent1"/>
-          </a:effectRef>
-          <a:fontRef idx="minor">
-            <a:schemeClr val="tx1"/>
-          </a:fontRef>
-        </p:style>
-      </p:cxnSp>
-      <p:cxnSp>
-        <p:nvCxnSpPr>
-          <p:cNvPr id="49" name="Straight Arrow Connector 48"/>
-          <p:cNvCxnSpPr/>
-          <p:nvPr/>
-        </p:nvCxnSpPr>
-        <p:spPr>
-          <a:xfrm>
-            <a:off x="5516343" y="3234039"/>
-            <a:ext cx="586737" cy="0"/>
-          </a:xfrm>
-          <a:prstGeom prst="straightConnector1">
-            <a:avLst/>
-          </a:prstGeom>
-          <a:ln w="19050" cap="flat">
-            <a:solidFill>
-              <a:schemeClr val="tx1"/>
-            </a:solidFill>
-            <a:round/>
-            <a:tailEnd type="triangle"/>
-          </a:ln>
-        </p:spPr>
-        <p:style>
-          <a:lnRef idx="1">
-            <a:schemeClr val="accent1"/>
-          </a:lnRef>
-          <a:fillRef idx="0">
-            <a:schemeClr val="accent1"/>
-          </a:fillRef>
-          <a:effectRef idx="0">
-            <a:schemeClr val="accent1"/>
-          </a:effectRef>
-          <a:fontRef idx="minor">
-            <a:schemeClr val="tx1"/>
-          </a:fontRef>
-        </p:style>
-      </p:cxnSp>
-      <p:cxnSp>
-        <p:nvCxnSpPr>
-          <p:cNvPr id="50" name="Straight Arrow Connector 49"/>
-          <p:cNvCxnSpPr/>
-          <p:nvPr/>
-        </p:nvCxnSpPr>
-        <p:spPr>
-          <a:xfrm flipH="1">
-            <a:off x="5513721" y="3310239"/>
-            <a:ext cx="586739" cy="0"/>
-          </a:xfrm>
-          <a:prstGeom prst="straightConnector1">
-            <a:avLst/>
-          </a:prstGeom>
-          <a:ln w="19050" cap="flat">
-            <a:solidFill>
-              <a:schemeClr val="tx1"/>
-            </a:solidFill>
-            <a:round/>
-            <a:tailEnd type="triangle"/>
-          </a:ln>
-        </p:spPr>
-        <p:style>
-          <a:lnRef idx="1">
-            <a:schemeClr val="accent1"/>
-          </a:lnRef>
-          <a:fillRef idx="0">
-            <a:schemeClr val="accent1"/>
-          </a:fillRef>
-          <a:effectRef idx="0">
-            <a:schemeClr val="accent1"/>
-          </a:effectRef>
-          <a:fontRef idx="minor">
-            <a:schemeClr val="tx1"/>
-          </a:fontRef>
-        </p:style>
-      </p:cxnSp>
-      <p:sp>
-        <p:nvSpPr>
-          <p:cNvPr id="51" name="TextBox 50"/>
-          <p:cNvSpPr txBox="1"/>
-          <p:nvPr/>
-        </p:nvSpPr>
-        <p:spPr>
-          <a:xfrm>
-            <a:off x="6145420" y="2857504"/>
-            <a:ext cx="668003" cy="461665"/>
-          </a:xfrm>
-          <a:prstGeom prst="rect">
-            <a:avLst/>
-          </a:prstGeom>
-          <a:noFill/>
-        </p:spPr>
-        <p:txBody>
-          <a:bodyPr wrap="none" rtlCol="0">
-            <a:spAutoFit/>
-          </a:bodyPr>
-          <a:lstStyle/>
-          <a:p>
-            <a:pPr algn="ctr"/>
-            <a:r>
-              <a:rPr lang="en-US" sz="1200" dirty="0" smtClean="0">
-                <a:latin typeface="Tahoma" pitchFamily="34" charset="0"/>
-                <a:ea typeface="Tahoma" pitchFamily="34" charset="0"/>
-                <a:cs typeface="Tahoma" pitchFamily="34" charset="0"/>
-              </a:rPr>
-              <a:t>Server</a:t>
-            </a:r>
-          </a:p>
-          <a:p>
-            <a:pPr algn="ctr"/>
-            <a:r>
-              <a:rPr lang="en-US" sz="1200" dirty="0" smtClean="0">
-                <a:latin typeface="Tahoma" pitchFamily="34" charset="0"/>
-                <a:ea typeface="Tahoma" pitchFamily="34" charset="0"/>
-                <a:cs typeface="Tahoma" pitchFamily="34" charset="0"/>
-              </a:rPr>
-              <a:t>Stream</a:t>
-            </a:r>
-            <a:endParaRPr lang="en-US" sz="1200" dirty="0">
-              <a:latin typeface="Tahoma" pitchFamily="34" charset="0"/>
-              <a:ea typeface="Tahoma" pitchFamily="34" charset="0"/>
-              <a:cs typeface="Tahoma" pitchFamily="34" charset="0"/>
-            </a:endParaRPr>
-          </a:p>
-        </p:txBody>
-      </p:sp>
-      <p:sp>
-        <p:nvSpPr>
-          <p:cNvPr id="52" name="TextBox 51"/>
-          <p:cNvSpPr txBox="1"/>
-          <p:nvPr/>
-        </p:nvSpPr>
-        <p:spPr>
-          <a:xfrm>
-            <a:off x="4495800" y="2103477"/>
-            <a:ext cx="1186912" cy="553998"/>
-          </a:xfrm>
-          <a:prstGeom prst="rect">
-            <a:avLst/>
-          </a:prstGeom>
-          <a:noFill/>
-        </p:spPr>
-        <p:txBody>
-          <a:bodyPr wrap="square" rtlCol="0">
-            <a:spAutoFit/>
-          </a:bodyPr>
-          <a:lstStyle/>
-          <a:p>
-            <a:r>
-              <a:rPr lang="en-US" sz="1000" dirty="0" smtClean="0">
-                <a:latin typeface="Tahoma" pitchFamily="34" charset="0"/>
-                <a:ea typeface="Tahoma" pitchFamily="34" charset="0"/>
-                <a:cs typeface="Tahoma" pitchFamily="34" charset="0"/>
-              </a:rPr>
-              <a:t>Server knows about transports created by client.</a:t>
-            </a:r>
-            <a:endParaRPr lang="en-US" sz="1000" dirty="0">
-              <a:latin typeface="Tahoma" pitchFamily="34" charset="0"/>
-              <a:ea typeface="Tahoma" pitchFamily="34" charset="0"/>
-              <a:cs typeface="Tahoma" pitchFamily="34" charset="0"/>
-            </a:endParaRPr>
-          </a:p>
-        </p:txBody>
-      </p:sp>
-      <p:sp>
-        <p:nvSpPr>
-          <p:cNvPr id="53" name="TextBox 52"/>
-          <p:cNvSpPr txBox="1"/>
-          <p:nvPr/>
-        </p:nvSpPr>
-        <p:spPr>
-          <a:xfrm>
-            <a:off x="5641952" y="2105025"/>
-            <a:ext cx="2511448" cy="553998"/>
-          </a:xfrm>
-          <a:prstGeom prst="rect">
-            <a:avLst/>
-          </a:prstGeom>
-          <a:noFill/>
-        </p:spPr>
-        <p:txBody>
-          <a:bodyPr wrap="square" rtlCol="0">
-            <a:spAutoFit/>
-          </a:bodyPr>
-          <a:lstStyle/>
-          <a:p>
-            <a:r>
-              <a:rPr lang="en-US" sz="1000" dirty="0" smtClean="0">
-                <a:latin typeface="Tahoma" pitchFamily="34" charset="0"/>
-                <a:ea typeface="Tahoma" pitchFamily="34" charset="0"/>
-                <a:cs typeface="Tahoma" pitchFamily="34" charset="0"/>
-              </a:rPr>
-              <a:t>Server Stream listens for new transports.</a:t>
-            </a:r>
-          </a:p>
-          <a:p>
-            <a:r>
-              <a:rPr lang="en-US" sz="1000" dirty="0" smtClean="0">
-                <a:latin typeface="Tahoma" pitchFamily="34" charset="0"/>
-                <a:ea typeface="Tahoma" pitchFamily="34" charset="0"/>
-                <a:cs typeface="Tahoma" pitchFamily="34" charset="0"/>
-              </a:rPr>
-              <a:t>Stream has a reliable send queue.</a:t>
-            </a:r>
-          </a:p>
-          <a:p>
-            <a:r>
-              <a:rPr lang="en-US" sz="1000" dirty="0" smtClean="0">
-                <a:latin typeface="Tahoma" pitchFamily="34" charset="0"/>
-                <a:ea typeface="Tahoma" pitchFamily="34" charset="0"/>
-                <a:cs typeface="Tahoma" pitchFamily="34" charset="0"/>
-              </a:rPr>
-              <a:t>Stream has a receive window.</a:t>
-            </a:r>
-            <a:endParaRPr lang="en-US" sz="1000" dirty="0">
-              <a:latin typeface="Tahoma" pitchFamily="34" charset="0"/>
-              <a:ea typeface="Tahoma" pitchFamily="34" charset="0"/>
-              <a:cs typeface="Tahoma" pitchFamily="34" charset="0"/>
-            </a:endParaRPr>
-          </a:p>
-        </p:txBody>
-      </p:sp>
-      <p:sp>
-        <p:nvSpPr>
-          <p:cNvPr id="54" name="TextBox 53"/>
-          <p:cNvSpPr txBox="1"/>
-          <p:nvPr/>
-        </p:nvSpPr>
-        <p:spPr>
-          <a:xfrm>
-            <a:off x="2066925" y="3408402"/>
-            <a:ext cx="775336" cy="553998"/>
-          </a:xfrm>
-          <a:prstGeom prst="rect">
-            <a:avLst/>
-          </a:prstGeom>
-          <a:noFill/>
-        </p:spPr>
-        <p:txBody>
-          <a:bodyPr wrap="square" rtlCol="0">
-            <a:spAutoFit/>
-          </a:bodyPr>
-          <a:lstStyle/>
-          <a:p>
-            <a:pPr algn="ctr"/>
-            <a:r>
-              <a:rPr lang="en-US" sz="1000" dirty="0" smtClean="0">
-                <a:latin typeface="Tahoma" pitchFamily="34" charset="0"/>
-                <a:ea typeface="Tahoma" pitchFamily="34" charset="0"/>
-                <a:cs typeface="Tahoma" pitchFamily="34" charset="0"/>
-              </a:rPr>
-              <a:t>Unordered strings, ACKS, etc.</a:t>
-            </a:r>
-            <a:endParaRPr lang="en-US" sz="1000" dirty="0">
-              <a:latin typeface="Tahoma" pitchFamily="34" charset="0"/>
-              <a:ea typeface="Tahoma" pitchFamily="34" charset="0"/>
-              <a:cs typeface="Tahoma" pitchFamily="34" charset="0"/>
-            </a:endParaRPr>
-          </a:p>
-        </p:txBody>
-      </p:sp>
-      <p:sp>
-        <p:nvSpPr>
-          <p:cNvPr id="55" name="TextBox 54"/>
-          <p:cNvSpPr txBox="1"/>
-          <p:nvPr/>
-        </p:nvSpPr>
-        <p:spPr>
-          <a:xfrm>
-            <a:off x="5450857" y="3381315"/>
-            <a:ext cx="775336" cy="553998"/>
-          </a:xfrm>
-          <a:prstGeom prst="rect">
-            <a:avLst/>
-          </a:prstGeom>
-          <a:noFill/>
-        </p:spPr>
-        <p:txBody>
-          <a:bodyPr wrap="square" rtlCol="0">
-            <a:spAutoFit/>
-          </a:bodyPr>
-          <a:lstStyle/>
-          <a:p>
-            <a:pPr algn="ctr"/>
-            <a:r>
-              <a:rPr lang="en-US" sz="1000" dirty="0" smtClean="0">
-                <a:latin typeface="Tahoma" pitchFamily="34" charset="0"/>
-                <a:ea typeface="Tahoma" pitchFamily="34" charset="0"/>
-                <a:cs typeface="Tahoma" pitchFamily="34" charset="0"/>
-              </a:rPr>
-              <a:t>Unordered strings, ACKS, etc.</a:t>
-            </a:r>
-            <a:endParaRPr lang="en-US" sz="1000" dirty="0">
-              <a:latin typeface="Tahoma" pitchFamily="34" charset="0"/>
-              <a:ea typeface="Tahoma" pitchFamily="34" charset="0"/>
-              <a:cs typeface="Tahoma" pitchFamily="34" charset="0"/>
-            </a:endParaRPr>
-          </a:p>
-        </p:txBody>
-      </p:sp>
-      <p:sp>
-        <p:nvSpPr>
-          <p:cNvPr id="58" name="TextBox 57"/>
-          <p:cNvSpPr txBox="1"/>
-          <p:nvPr/>
-        </p:nvSpPr>
-        <p:spPr>
-          <a:xfrm>
-            <a:off x="7486164" y="2924014"/>
-            <a:ext cx="919547" cy="276999"/>
-          </a:xfrm>
-          <a:prstGeom prst="rect">
-            <a:avLst/>
-          </a:prstGeom>
-          <a:noFill/>
-        </p:spPr>
-        <p:txBody>
-          <a:bodyPr wrap="none" rtlCol="0">
-            <a:spAutoFit/>
-          </a:bodyPr>
-          <a:lstStyle/>
-          <a:p>
-            <a:r>
-              <a:rPr lang="en-US" sz="1200" dirty="0" smtClean="0">
-                <a:latin typeface="Tahoma" pitchFamily="34" charset="0"/>
-                <a:ea typeface="Tahoma" pitchFamily="34" charset="0"/>
-                <a:cs typeface="Tahoma" pitchFamily="34" charset="0"/>
-              </a:rPr>
-              <a:t>Server app</a:t>
-            </a:r>
-            <a:endParaRPr lang="en-US" sz="1200" dirty="0">
-              <a:latin typeface="Tahoma" pitchFamily="34" charset="0"/>
-              <a:ea typeface="Tahoma" pitchFamily="34" charset="0"/>
-              <a:cs typeface="Tahoma" pitchFamily="34" charset="0"/>
-            </a:endParaRPr>
-          </a:p>
-        </p:txBody>
-      </p:sp>
-      <p:cxnSp>
-        <p:nvCxnSpPr>
-          <p:cNvPr id="59" name="Straight Arrow Connector 58"/>
-          <p:cNvCxnSpPr/>
-          <p:nvPr/>
-        </p:nvCxnSpPr>
-        <p:spPr>
-          <a:xfrm>
-            <a:off x="6865034" y="3048000"/>
-            <a:ext cx="586737" cy="0"/>
-          </a:xfrm>
-          <a:prstGeom prst="straightConnector1">
-            <a:avLst/>
-          </a:prstGeom>
-          <a:ln w="19050" cap="flat">
-            <a:solidFill>
-              <a:schemeClr val="tx1"/>
-            </a:solidFill>
             <a:round/>
             <a:tailEnd type="triangle"/>
           </a:ln>
@@ -4637,9 +3819,377 @@
           <p:nvPr/>
         </p:nvCxnSpPr>
         <p:spPr>
+          <a:xfrm>
+            <a:off x="3934382" y="2606750"/>
+            <a:ext cx="586737" cy="0"/>
+          </a:xfrm>
+          <a:prstGeom prst="straightConnector1">
+            <a:avLst/>
+          </a:prstGeom>
+          <a:ln w="19050" cap="flat">
+            <a:solidFill>
+              <a:schemeClr val="tx1"/>
+            </a:solidFill>
+            <a:prstDash val="sysDash"/>
+            <a:round/>
+            <a:tailEnd type="triangle"/>
+          </a:ln>
+        </p:spPr>
+        <p:style>
+          <a:lnRef idx="1">
+            <a:schemeClr val="accent1"/>
+          </a:lnRef>
+          <a:fillRef idx="0">
+            <a:schemeClr val="accent1"/>
+          </a:fillRef>
+          <a:effectRef idx="0">
+            <a:schemeClr val="accent1"/>
+          </a:effectRef>
+          <a:fontRef idx="minor">
+            <a:schemeClr val="tx1"/>
+          </a:fontRef>
+        </p:style>
+      </p:cxnSp>
+      <p:cxnSp>
+        <p:nvCxnSpPr>
+          <p:cNvPr id="61" name="Straight Arrow Connector 60"/>
+          <p:cNvCxnSpPr/>
+          <p:nvPr/>
+        </p:nvCxnSpPr>
+        <p:spPr>
           <a:xfrm flipH="1">
-            <a:off x="6865032" y="3124200"/>
+            <a:off x="3912304" y="2682950"/>
             <a:ext cx="586739" cy="0"/>
+          </a:xfrm>
+          <a:prstGeom prst="straightConnector1">
+            <a:avLst/>
+          </a:prstGeom>
+          <a:ln w="19050" cap="flat">
+            <a:solidFill>
+              <a:schemeClr val="tx1"/>
+            </a:solidFill>
+            <a:prstDash val="sysDash"/>
+            <a:round/>
+            <a:tailEnd type="triangle"/>
+          </a:ln>
+        </p:spPr>
+        <p:style>
+          <a:lnRef idx="1">
+            <a:schemeClr val="accent1"/>
+          </a:lnRef>
+          <a:fillRef idx="0">
+            <a:schemeClr val="accent1"/>
+          </a:fillRef>
+          <a:effectRef idx="0">
+            <a:schemeClr val="accent1"/>
+          </a:effectRef>
+          <a:fontRef idx="minor">
+            <a:schemeClr val="tx1"/>
+          </a:fontRef>
+        </p:style>
+      </p:cxnSp>
+      <p:sp>
+        <p:nvSpPr>
+          <p:cNvPr id="62" name="Left Brace 61"/>
+          <p:cNvSpPr/>
+          <p:nvPr/>
+        </p:nvSpPr>
+        <p:spPr>
+          <a:xfrm rot="16200000">
+            <a:off x="2485378" y="1907350"/>
+            <a:ext cx="123219" cy="3135629"/>
+          </a:xfrm>
+          <a:prstGeom prst="leftBrace">
+            <a:avLst/>
+          </a:prstGeom>
+          <a:ln w="19050">
+            <a:solidFill>
+              <a:schemeClr val="tx1">
+                <a:lumMod val="50000"/>
+                <a:lumOff val="50000"/>
+              </a:schemeClr>
+            </a:solidFill>
+          </a:ln>
+        </p:spPr>
+        <p:style>
+          <a:lnRef idx="1">
+            <a:schemeClr val="accent1"/>
+          </a:lnRef>
+          <a:fillRef idx="0">
+            <a:schemeClr val="accent1"/>
+          </a:fillRef>
+          <a:effectRef idx="0">
+            <a:schemeClr val="accent1"/>
+          </a:effectRef>
+          <a:fontRef idx="minor">
+            <a:schemeClr val="tx1"/>
+          </a:fontRef>
+        </p:style>
+        <p:txBody>
+          <a:bodyPr rtlCol="0" anchor="ctr"/>
+          <a:lstStyle/>
+          <a:p>
+            <a:pPr algn="ctr"/>
+            <a:endParaRPr lang="en-US" dirty="0"/>
+          </a:p>
+        </p:txBody>
+      </p:sp>
+      <p:sp>
+        <p:nvSpPr>
+          <p:cNvPr id="63" name="TextBox 62"/>
+          <p:cNvSpPr txBox="1"/>
+          <p:nvPr/>
+        </p:nvSpPr>
+        <p:spPr>
+          <a:xfrm>
+            <a:off x="2077863" y="3527048"/>
+            <a:ext cx="970137" cy="246221"/>
+          </a:xfrm>
+          <a:prstGeom prst="rect">
+            <a:avLst/>
+          </a:prstGeom>
+          <a:noFill/>
+        </p:spPr>
+        <p:txBody>
+          <a:bodyPr wrap="none" rtlCol="0">
+            <a:spAutoFit/>
+          </a:bodyPr>
+          <a:lstStyle/>
+          <a:p>
+            <a:r>
+              <a:rPr lang="en-US" sz="1000" dirty="0" smtClean="0">
+                <a:latin typeface="Tahoma" pitchFamily="34" charset="0"/>
+                <a:ea typeface="Tahoma" pitchFamily="34" charset="0"/>
+                <a:cs typeface="Tahoma" pitchFamily="34" charset="0"/>
+              </a:rPr>
+              <a:t>Minerva client</a:t>
+            </a:r>
+          </a:p>
+        </p:txBody>
+      </p:sp>
+      <p:sp>
+        <p:nvSpPr>
+          <p:cNvPr id="64" name="TextBox 63"/>
+          <p:cNvSpPr txBox="1"/>
+          <p:nvPr/>
+        </p:nvSpPr>
+        <p:spPr>
+          <a:xfrm>
+            <a:off x="3733800" y="2763559"/>
+            <a:ext cx="979008" cy="553998"/>
+          </a:xfrm>
+          <a:prstGeom prst="rect">
+            <a:avLst/>
+          </a:prstGeom>
+          <a:noFill/>
+        </p:spPr>
+        <p:txBody>
+          <a:bodyPr wrap="square" rtlCol="0">
+            <a:spAutoFit/>
+          </a:bodyPr>
+          <a:lstStyle/>
+          <a:p>
+            <a:pPr algn="ctr"/>
+            <a:r>
+              <a:rPr lang="en-US" sz="1000" dirty="0" smtClean="0">
+                <a:latin typeface="Tahoma" pitchFamily="34" charset="0"/>
+                <a:ea typeface="Tahoma" pitchFamily="34" charset="0"/>
+                <a:cs typeface="Tahoma" pitchFamily="34" charset="0"/>
+              </a:rPr>
+              <a:t>Minerva wire protocol over TCP or HTTP</a:t>
+            </a:r>
+            <a:endParaRPr lang="en-US" sz="1000" dirty="0">
+              <a:latin typeface="Tahoma" pitchFamily="34" charset="0"/>
+              <a:ea typeface="Tahoma" pitchFamily="34" charset="0"/>
+              <a:cs typeface="Tahoma" pitchFamily="34" charset="0"/>
+            </a:endParaRPr>
+          </a:p>
+        </p:txBody>
+      </p:sp>
+      <p:sp>
+        <p:nvSpPr>
+          <p:cNvPr id="65" name="Left Brace 64"/>
+          <p:cNvSpPr/>
+          <p:nvPr/>
+        </p:nvSpPr>
+        <p:spPr>
+          <a:xfrm rot="16200000">
+            <a:off x="5874079" y="1882878"/>
+            <a:ext cx="123218" cy="3184571"/>
+          </a:xfrm>
+          <a:prstGeom prst="leftBrace">
+            <a:avLst/>
+          </a:prstGeom>
+          <a:ln w="19050">
+            <a:solidFill>
+              <a:schemeClr val="tx1">
+                <a:lumMod val="50000"/>
+                <a:lumOff val="50000"/>
+              </a:schemeClr>
+            </a:solidFill>
+          </a:ln>
+        </p:spPr>
+        <p:style>
+          <a:lnRef idx="1">
+            <a:schemeClr val="accent1"/>
+          </a:lnRef>
+          <a:fillRef idx="0">
+            <a:schemeClr val="accent1"/>
+          </a:fillRef>
+          <a:effectRef idx="0">
+            <a:schemeClr val="accent1"/>
+          </a:effectRef>
+          <a:fontRef idx="minor">
+            <a:schemeClr val="tx1"/>
+          </a:fontRef>
+        </p:style>
+        <p:txBody>
+          <a:bodyPr rtlCol="0" anchor="ctr"/>
+          <a:lstStyle/>
+          <a:p>
+            <a:pPr algn="ctr"/>
+            <a:endParaRPr lang="en-US" dirty="0"/>
+          </a:p>
+        </p:txBody>
+      </p:sp>
+      <p:sp>
+        <p:nvSpPr>
+          <p:cNvPr id="66" name="TextBox 65"/>
+          <p:cNvSpPr txBox="1"/>
+          <p:nvPr/>
+        </p:nvSpPr>
+        <p:spPr>
+          <a:xfrm>
+            <a:off x="5457169" y="3527048"/>
+            <a:ext cx="1019831" cy="246221"/>
+          </a:xfrm>
+          <a:prstGeom prst="rect">
+            <a:avLst/>
+          </a:prstGeom>
+          <a:noFill/>
+        </p:spPr>
+        <p:txBody>
+          <a:bodyPr wrap="none" rtlCol="0">
+            <a:spAutoFit/>
+          </a:bodyPr>
+          <a:lstStyle/>
+          <a:p>
+            <a:r>
+              <a:rPr lang="en-US" sz="1000" dirty="0" smtClean="0">
+                <a:latin typeface="Tahoma" pitchFamily="34" charset="0"/>
+                <a:ea typeface="Tahoma" pitchFamily="34" charset="0"/>
+                <a:cs typeface="Tahoma" pitchFamily="34" charset="0"/>
+              </a:rPr>
+              <a:t>Minerva server</a:t>
+            </a:r>
+          </a:p>
+        </p:txBody>
+      </p:sp>
+      <p:sp>
+        <p:nvSpPr>
+          <p:cNvPr id="67" name="TextBox 66"/>
+          <p:cNvSpPr txBox="1"/>
+          <p:nvPr/>
+        </p:nvSpPr>
+        <p:spPr>
+          <a:xfrm>
+            <a:off x="4684349" y="2049857"/>
+            <a:ext cx="800797" cy="461665"/>
+          </a:xfrm>
+          <a:prstGeom prst="rect">
+            <a:avLst/>
+          </a:prstGeom>
+          <a:noFill/>
+        </p:spPr>
+        <p:txBody>
+          <a:bodyPr wrap="none" rtlCol="0">
+            <a:spAutoFit/>
+          </a:bodyPr>
+          <a:lstStyle/>
+          <a:p>
+            <a:pPr algn="ctr"/>
+            <a:r>
+              <a:rPr lang="en-US" sz="1200" dirty="0" smtClean="0">
+                <a:latin typeface="Tahoma" pitchFamily="34" charset="0"/>
+                <a:ea typeface="Tahoma" pitchFamily="34" charset="0"/>
+                <a:cs typeface="Tahoma" pitchFamily="34" charset="0"/>
+              </a:rPr>
+              <a:t>Primary</a:t>
+            </a:r>
+          </a:p>
+          <a:p>
+            <a:pPr algn="ctr"/>
+            <a:r>
+              <a:rPr lang="en-US" sz="1200" dirty="0" smtClean="0">
+                <a:latin typeface="Tahoma" pitchFamily="34" charset="0"/>
+                <a:ea typeface="Tahoma" pitchFamily="34" charset="0"/>
+                <a:cs typeface="Tahoma" pitchFamily="34" charset="0"/>
+              </a:rPr>
+              <a:t>transport</a:t>
+            </a:r>
+            <a:endParaRPr lang="en-US" sz="1200" dirty="0">
+              <a:latin typeface="Tahoma" pitchFamily="34" charset="0"/>
+              <a:ea typeface="Tahoma" pitchFamily="34" charset="0"/>
+              <a:cs typeface="Tahoma" pitchFamily="34" charset="0"/>
+            </a:endParaRPr>
+          </a:p>
+        </p:txBody>
+      </p:sp>
+      <p:sp>
+        <p:nvSpPr>
+          <p:cNvPr id="68" name="TextBox 67"/>
+          <p:cNvSpPr txBox="1"/>
+          <p:nvPr/>
+        </p:nvSpPr>
+        <p:spPr>
+          <a:xfrm>
+            <a:off x="4587337" y="2432872"/>
+            <a:ext cx="1015022" cy="461665"/>
+          </a:xfrm>
+          <a:prstGeom prst="rect">
+            <a:avLst/>
+          </a:prstGeom>
+          <a:noFill/>
+        </p:spPr>
+        <p:txBody>
+          <a:bodyPr wrap="none" rtlCol="0">
+            <a:spAutoFit/>
+          </a:bodyPr>
+          <a:lstStyle/>
+          <a:p>
+            <a:pPr algn="ctr"/>
+            <a:r>
+              <a:rPr lang="en-US" sz="1200" dirty="0" smtClean="0">
+                <a:latin typeface="Tahoma" pitchFamily="34" charset="0"/>
+                <a:ea typeface="Tahoma" pitchFamily="34" charset="0"/>
+                <a:cs typeface="Tahoma" pitchFamily="34" charset="0"/>
+              </a:rPr>
+              <a:t>A secondary</a:t>
+            </a:r>
+          </a:p>
+          <a:p>
+            <a:pPr algn="ctr"/>
+            <a:r>
+              <a:rPr lang="en-US" sz="1200" dirty="0" smtClean="0">
+                <a:latin typeface="Tahoma" pitchFamily="34" charset="0"/>
+                <a:ea typeface="Tahoma" pitchFamily="34" charset="0"/>
+                <a:cs typeface="Tahoma" pitchFamily="34" charset="0"/>
+              </a:rPr>
+              <a:t>transport</a:t>
+            </a:r>
+          </a:p>
+        </p:txBody>
+      </p:sp>
+      <p:cxnSp>
+        <p:nvCxnSpPr>
+          <p:cNvPr id="69" name="Straight Arrow Connector 68"/>
+          <p:cNvCxnSpPr/>
+          <p:nvPr/>
+        </p:nvCxnSpPr>
+        <p:spPr>
+          <a:xfrm>
+            <a:off x="5576846" y="2211173"/>
+            <a:ext cx="586737" cy="0"/>
           </a:xfrm>
           <a:prstGeom prst="straightConnector1">
             <a:avLst/>
@@ -4667,15 +4217,462 @@
           </a:fontRef>
         </p:style>
       </p:cxnSp>
-      <p:sp>
-        <p:nvSpPr>
-          <p:cNvPr id="61" name="TextBox 60"/>
+      <p:cxnSp>
+        <p:nvCxnSpPr>
+          <p:cNvPr id="70" name="Straight Arrow Connector 69"/>
+          <p:cNvCxnSpPr/>
+          <p:nvPr/>
+        </p:nvCxnSpPr>
+        <p:spPr>
+          <a:xfrm flipH="1">
+            <a:off x="5574224" y="2287373"/>
+            <a:ext cx="586739" cy="0"/>
+          </a:xfrm>
+          <a:prstGeom prst="straightConnector1">
+            <a:avLst/>
+          </a:prstGeom>
+          <a:ln w="19050" cap="flat">
+            <a:solidFill>
+              <a:schemeClr val="tx1"/>
+            </a:solidFill>
+            <a:round/>
+            <a:tailEnd type="triangle"/>
+          </a:ln>
+        </p:spPr>
+        <p:style>
+          <a:lnRef idx="1">
+            <a:schemeClr val="accent1"/>
+          </a:lnRef>
+          <a:fillRef idx="0">
+            <a:schemeClr val="accent1"/>
+          </a:fillRef>
+          <a:effectRef idx="0">
+            <a:schemeClr val="accent1"/>
+          </a:effectRef>
+          <a:fontRef idx="minor">
+            <a:schemeClr val="tx1"/>
+          </a:fontRef>
+        </p:style>
+      </p:cxnSp>
+      <p:cxnSp>
+        <p:nvCxnSpPr>
+          <p:cNvPr id="71" name="Straight Arrow Connector 70"/>
+          <p:cNvCxnSpPr/>
+          <p:nvPr/>
+        </p:nvCxnSpPr>
+        <p:spPr>
+          <a:xfrm>
+            <a:off x="5592543" y="2587708"/>
+            <a:ext cx="586737" cy="0"/>
+          </a:xfrm>
+          <a:prstGeom prst="straightConnector1">
+            <a:avLst/>
+          </a:prstGeom>
+          <a:ln w="19050" cap="flat">
+            <a:solidFill>
+              <a:schemeClr val="tx1"/>
+            </a:solidFill>
+            <a:round/>
+            <a:tailEnd type="triangle"/>
+          </a:ln>
+        </p:spPr>
+        <p:style>
+          <a:lnRef idx="1">
+            <a:schemeClr val="accent1"/>
+          </a:lnRef>
+          <a:fillRef idx="0">
+            <a:schemeClr val="accent1"/>
+          </a:fillRef>
+          <a:effectRef idx="0">
+            <a:schemeClr val="accent1"/>
+          </a:effectRef>
+          <a:fontRef idx="minor">
+            <a:schemeClr val="tx1"/>
+          </a:fontRef>
+        </p:style>
+      </p:cxnSp>
+      <p:cxnSp>
+        <p:nvCxnSpPr>
+          <p:cNvPr id="72" name="Straight Arrow Connector 71"/>
+          <p:cNvCxnSpPr/>
+          <p:nvPr/>
+        </p:nvCxnSpPr>
+        <p:spPr>
+          <a:xfrm flipH="1">
+            <a:off x="5589921" y="2663908"/>
+            <a:ext cx="586739" cy="0"/>
+          </a:xfrm>
+          <a:prstGeom prst="straightConnector1">
+            <a:avLst/>
+          </a:prstGeom>
+          <a:ln w="19050" cap="flat">
+            <a:solidFill>
+              <a:schemeClr val="tx1"/>
+            </a:solidFill>
+            <a:round/>
+            <a:tailEnd type="triangle"/>
+          </a:ln>
+        </p:spPr>
+        <p:style>
+          <a:lnRef idx="1">
+            <a:schemeClr val="accent1"/>
+          </a:lnRef>
+          <a:fillRef idx="0">
+            <a:schemeClr val="accent1"/>
+          </a:fillRef>
+          <a:effectRef idx="0">
+            <a:schemeClr val="accent1"/>
+          </a:effectRef>
+          <a:fontRef idx="minor">
+            <a:schemeClr val="tx1"/>
+          </a:fontRef>
+        </p:style>
+      </p:cxnSp>
+      <p:sp>
+        <p:nvSpPr>
+          <p:cNvPr id="73" name="TextBox 72"/>
           <p:cNvSpPr txBox="1"/>
           <p:nvPr/>
         </p:nvSpPr>
         <p:spPr>
           <a:xfrm>
-            <a:off x="6635212" y="3208377"/>
+            <a:off x="6221620" y="2211173"/>
+            <a:ext cx="668003" cy="461665"/>
+          </a:xfrm>
+          <a:prstGeom prst="rect">
+            <a:avLst/>
+          </a:prstGeom>
+          <a:noFill/>
+        </p:spPr>
+        <p:txBody>
+          <a:bodyPr wrap="none" rtlCol="0">
+            <a:spAutoFit/>
+          </a:bodyPr>
+          <a:lstStyle/>
+          <a:p>
+            <a:pPr algn="ctr"/>
+            <a:r>
+              <a:rPr lang="en-US" sz="1200" dirty="0" smtClean="0">
+                <a:latin typeface="Tahoma" pitchFamily="34" charset="0"/>
+                <a:ea typeface="Tahoma" pitchFamily="34" charset="0"/>
+                <a:cs typeface="Tahoma" pitchFamily="34" charset="0"/>
+              </a:rPr>
+              <a:t>Server</a:t>
+            </a:r>
+          </a:p>
+          <a:p>
+            <a:pPr algn="ctr"/>
+            <a:r>
+              <a:rPr lang="en-US" sz="1200" dirty="0" smtClean="0">
+                <a:latin typeface="Tahoma" pitchFamily="34" charset="0"/>
+                <a:ea typeface="Tahoma" pitchFamily="34" charset="0"/>
+                <a:cs typeface="Tahoma" pitchFamily="34" charset="0"/>
+              </a:rPr>
+              <a:t>Stream</a:t>
+            </a:r>
+            <a:endParaRPr lang="en-US" sz="1200" dirty="0">
+              <a:latin typeface="Tahoma" pitchFamily="34" charset="0"/>
+              <a:ea typeface="Tahoma" pitchFamily="34" charset="0"/>
+              <a:cs typeface="Tahoma" pitchFamily="34" charset="0"/>
+            </a:endParaRPr>
+          </a:p>
+        </p:txBody>
+      </p:sp>
+      <p:sp>
+        <p:nvSpPr>
+          <p:cNvPr id="74" name="TextBox 73"/>
+          <p:cNvSpPr txBox="1"/>
+          <p:nvPr/>
+        </p:nvSpPr>
+        <p:spPr>
+          <a:xfrm>
+            <a:off x="4572000" y="1457146"/>
+            <a:ext cx="1186912" cy="553998"/>
+          </a:xfrm>
+          <a:prstGeom prst="rect">
+            <a:avLst/>
+          </a:prstGeom>
+          <a:noFill/>
+        </p:spPr>
+        <p:txBody>
+          <a:bodyPr wrap="square" rtlCol="0">
+            <a:spAutoFit/>
+          </a:bodyPr>
+          <a:lstStyle/>
+          <a:p>
+            <a:r>
+              <a:rPr lang="en-US" sz="1000" dirty="0" smtClean="0">
+                <a:latin typeface="Tahoma" pitchFamily="34" charset="0"/>
+                <a:ea typeface="Tahoma" pitchFamily="34" charset="0"/>
+                <a:cs typeface="Tahoma" pitchFamily="34" charset="0"/>
+              </a:rPr>
+              <a:t>Server knows about transports created by client.</a:t>
+            </a:r>
+            <a:endParaRPr lang="en-US" sz="1000" dirty="0">
+              <a:latin typeface="Tahoma" pitchFamily="34" charset="0"/>
+              <a:ea typeface="Tahoma" pitchFamily="34" charset="0"/>
+              <a:cs typeface="Tahoma" pitchFamily="34" charset="0"/>
+            </a:endParaRPr>
+          </a:p>
+        </p:txBody>
+      </p:sp>
+      <p:sp>
+        <p:nvSpPr>
+          <p:cNvPr id="75" name="TextBox 74"/>
+          <p:cNvSpPr txBox="1"/>
+          <p:nvPr/>
+        </p:nvSpPr>
+        <p:spPr>
+          <a:xfrm>
+            <a:off x="5718152" y="1458694"/>
+            <a:ext cx="2511448" cy="553998"/>
+          </a:xfrm>
+          <a:prstGeom prst="rect">
+            <a:avLst/>
+          </a:prstGeom>
+          <a:noFill/>
+        </p:spPr>
+        <p:txBody>
+          <a:bodyPr wrap="square" rtlCol="0">
+            <a:spAutoFit/>
+          </a:bodyPr>
+          <a:lstStyle/>
+          <a:p>
+            <a:r>
+              <a:rPr lang="en-US" sz="1000" dirty="0" smtClean="0">
+                <a:latin typeface="Tahoma" pitchFamily="34" charset="0"/>
+                <a:ea typeface="Tahoma" pitchFamily="34" charset="0"/>
+                <a:cs typeface="Tahoma" pitchFamily="34" charset="0"/>
+              </a:rPr>
+              <a:t>Server Stream listens for new transports.</a:t>
+            </a:r>
+          </a:p>
+          <a:p>
+            <a:r>
+              <a:rPr lang="en-US" sz="1000" dirty="0" smtClean="0">
+                <a:latin typeface="Tahoma" pitchFamily="34" charset="0"/>
+                <a:ea typeface="Tahoma" pitchFamily="34" charset="0"/>
+                <a:cs typeface="Tahoma" pitchFamily="34" charset="0"/>
+              </a:rPr>
+              <a:t>Stream has a reliable send queue.</a:t>
+            </a:r>
+          </a:p>
+          <a:p>
+            <a:r>
+              <a:rPr lang="en-US" sz="1000" dirty="0" smtClean="0">
+                <a:latin typeface="Tahoma" pitchFamily="34" charset="0"/>
+                <a:ea typeface="Tahoma" pitchFamily="34" charset="0"/>
+                <a:cs typeface="Tahoma" pitchFamily="34" charset="0"/>
+              </a:rPr>
+              <a:t>Stream has a receive window.</a:t>
+            </a:r>
+            <a:endParaRPr lang="en-US" sz="1000" dirty="0">
+              <a:latin typeface="Tahoma" pitchFamily="34" charset="0"/>
+              <a:ea typeface="Tahoma" pitchFamily="34" charset="0"/>
+              <a:cs typeface="Tahoma" pitchFamily="34" charset="0"/>
+            </a:endParaRPr>
+          </a:p>
+        </p:txBody>
+      </p:sp>
+      <p:sp>
+        <p:nvSpPr>
+          <p:cNvPr id="76" name="TextBox 75"/>
+          <p:cNvSpPr txBox="1"/>
+          <p:nvPr/>
+        </p:nvSpPr>
+        <p:spPr>
+          <a:xfrm>
+            <a:off x="2143125" y="2762071"/>
+            <a:ext cx="775336" cy="553998"/>
+          </a:xfrm>
+          <a:prstGeom prst="rect">
+            <a:avLst/>
+          </a:prstGeom>
+          <a:noFill/>
+        </p:spPr>
+        <p:txBody>
+          <a:bodyPr wrap="square" rtlCol="0">
+            <a:spAutoFit/>
+          </a:bodyPr>
+          <a:lstStyle/>
+          <a:p>
+            <a:pPr algn="ctr"/>
+            <a:r>
+              <a:rPr lang="en-US" sz="1000" dirty="0" smtClean="0">
+                <a:latin typeface="Tahoma" pitchFamily="34" charset="0"/>
+                <a:ea typeface="Tahoma" pitchFamily="34" charset="0"/>
+                <a:cs typeface="Tahoma" pitchFamily="34" charset="0"/>
+              </a:rPr>
+              <a:t>Unordered strings, ACKS, etc.</a:t>
+            </a:r>
+            <a:endParaRPr lang="en-US" sz="1000" dirty="0">
+              <a:latin typeface="Tahoma" pitchFamily="34" charset="0"/>
+              <a:ea typeface="Tahoma" pitchFamily="34" charset="0"/>
+              <a:cs typeface="Tahoma" pitchFamily="34" charset="0"/>
+            </a:endParaRPr>
+          </a:p>
+        </p:txBody>
+      </p:sp>
+      <p:sp>
+        <p:nvSpPr>
+          <p:cNvPr id="77" name="TextBox 76"/>
+          <p:cNvSpPr txBox="1"/>
+          <p:nvPr/>
+        </p:nvSpPr>
+        <p:spPr>
+          <a:xfrm>
+            <a:off x="5527057" y="2734984"/>
+            <a:ext cx="775336" cy="553998"/>
+          </a:xfrm>
+          <a:prstGeom prst="rect">
+            <a:avLst/>
+          </a:prstGeom>
+          <a:noFill/>
+        </p:spPr>
+        <p:txBody>
+          <a:bodyPr wrap="square" rtlCol="0">
+            <a:spAutoFit/>
+          </a:bodyPr>
+          <a:lstStyle/>
+          <a:p>
+            <a:pPr algn="ctr"/>
+            <a:r>
+              <a:rPr lang="en-US" sz="1000" dirty="0" smtClean="0">
+                <a:latin typeface="Tahoma" pitchFamily="34" charset="0"/>
+                <a:ea typeface="Tahoma" pitchFamily="34" charset="0"/>
+                <a:cs typeface="Tahoma" pitchFamily="34" charset="0"/>
+              </a:rPr>
+              <a:t>Unordered strings, ACKS, etc.</a:t>
+            </a:r>
+            <a:endParaRPr lang="en-US" sz="1000" dirty="0">
+              <a:latin typeface="Tahoma" pitchFamily="34" charset="0"/>
+              <a:ea typeface="Tahoma" pitchFamily="34" charset="0"/>
+              <a:cs typeface="Tahoma" pitchFamily="34" charset="0"/>
+            </a:endParaRPr>
+          </a:p>
+        </p:txBody>
+      </p:sp>
+      <p:sp>
+        <p:nvSpPr>
+          <p:cNvPr id="78" name="TextBox 77"/>
+          <p:cNvSpPr txBox="1"/>
+          <p:nvPr/>
+        </p:nvSpPr>
+        <p:spPr>
+          <a:xfrm>
+            <a:off x="7562364" y="2277683"/>
+            <a:ext cx="919547" cy="276999"/>
+          </a:xfrm>
+          <a:prstGeom prst="rect">
+            <a:avLst/>
+          </a:prstGeom>
+          <a:noFill/>
+        </p:spPr>
+        <p:txBody>
+          <a:bodyPr wrap="none" rtlCol="0">
+            <a:spAutoFit/>
+          </a:bodyPr>
+          <a:lstStyle/>
+          <a:p>
+            <a:r>
+              <a:rPr lang="en-US" sz="1200" dirty="0" smtClean="0">
+                <a:latin typeface="Tahoma" pitchFamily="34" charset="0"/>
+                <a:ea typeface="Tahoma" pitchFamily="34" charset="0"/>
+                <a:cs typeface="Tahoma" pitchFamily="34" charset="0"/>
+              </a:rPr>
+              <a:t>Server app</a:t>
+            </a:r>
+            <a:endParaRPr lang="en-US" sz="1200" dirty="0">
+              <a:latin typeface="Tahoma" pitchFamily="34" charset="0"/>
+              <a:ea typeface="Tahoma" pitchFamily="34" charset="0"/>
+              <a:cs typeface="Tahoma" pitchFamily="34" charset="0"/>
+            </a:endParaRPr>
+          </a:p>
+        </p:txBody>
+      </p:sp>
+      <p:cxnSp>
+        <p:nvCxnSpPr>
+          <p:cNvPr id="79" name="Straight Arrow Connector 78"/>
+          <p:cNvCxnSpPr/>
+          <p:nvPr/>
+        </p:nvCxnSpPr>
+        <p:spPr>
+          <a:xfrm>
+            <a:off x="6941234" y="2401669"/>
+            <a:ext cx="586737" cy="0"/>
+          </a:xfrm>
+          <a:prstGeom prst="straightConnector1">
+            <a:avLst/>
+          </a:prstGeom>
+          <a:ln w="19050" cap="flat">
+            <a:solidFill>
+              <a:schemeClr val="tx1"/>
+            </a:solidFill>
+            <a:round/>
+            <a:tailEnd type="triangle"/>
+          </a:ln>
+        </p:spPr>
+        <p:style>
+          <a:lnRef idx="1">
+            <a:schemeClr val="accent1"/>
+          </a:lnRef>
+          <a:fillRef idx="0">
+            <a:schemeClr val="accent1"/>
+          </a:fillRef>
+          <a:effectRef idx="0">
+            <a:schemeClr val="accent1"/>
+          </a:effectRef>
+          <a:fontRef idx="minor">
+            <a:schemeClr val="tx1"/>
+          </a:fontRef>
+        </p:style>
+      </p:cxnSp>
+      <p:cxnSp>
+        <p:nvCxnSpPr>
+          <p:cNvPr id="80" name="Straight Arrow Connector 79"/>
+          <p:cNvCxnSpPr/>
+          <p:nvPr/>
+        </p:nvCxnSpPr>
+        <p:spPr>
+          <a:xfrm flipH="1">
+            <a:off x="6941232" y="2477869"/>
+            <a:ext cx="586739" cy="0"/>
+          </a:xfrm>
+          <a:prstGeom prst="straightConnector1">
+            <a:avLst/>
+          </a:prstGeom>
+          <a:ln w="19050" cap="flat">
+            <a:solidFill>
+              <a:schemeClr val="tx1"/>
+            </a:solidFill>
+            <a:round/>
+            <a:tailEnd type="triangle"/>
+          </a:ln>
+        </p:spPr>
+        <p:style>
+          <a:lnRef idx="1">
+            <a:schemeClr val="accent1"/>
+          </a:lnRef>
+          <a:fillRef idx="0">
+            <a:schemeClr val="accent1"/>
+          </a:fillRef>
+          <a:effectRef idx="0">
+            <a:schemeClr val="accent1"/>
+          </a:effectRef>
+          <a:fontRef idx="minor">
+            <a:schemeClr val="tx1"/>
+          </a:fontRef>
+        </p:style>
+      </p:cxnSp>
+      <p:sp>
+        <p:nvSpPr>
+          <p:cNvPr id="81" name="TextBox 80"/>
+          <p:cNvSpPr txBox="1"/>
+          <p:nvPr/>
+        </p:nvSpPr>
+        <p:spPr>
+          <a:xfrm>
+            <a:off x="6711412" y="2562046"/>
             <a:ext cx="1066800" cy="553998"/>
           </a:xfrm>
           <a:prstGeom prst="rect">
@@ -4732,14 +4729,14 @@
       </p:sp>
       <p:sp>
         <p:nvSpPr>
-          <p:cNvPr id="63" name="TextBox 62"/>
+          <p:cNvPr id="82" name="TextBox 81"/>
           <p:cNvSpPr txBox="1"/>
           <p:nvPr/>
         </p:nvSpPr>
         <p:spPr>
           <a:xfrm>
-            <a:off x="152400" y="5486400"/>
-            <a:ext cx="11517248" cy="276999"/>
+            <a:off x="228600" y="4001869"/>
+            <a:ext cx="9220200" cy="646331"/>
           </a:xfrm>
           <a:prstGeom prst="rect">
             <a:avLst/>
@@ -4758,15 +4755,7 @@
                 <a:ea typeface="Tahoma" pitchFamily="34" charset="0"/>
                 <a:cs typeface="Tahoma" pitchFamily="34" charset="0"/>
               </a:rPr>
-              <a:t>Important omissions: transport authentication (</a:t>
-            </a:r>
-            <a:r>
-              <a:rPr lang="en-US" sz="1200" dirty="0" err="1" smtClean="0">
-                <a:latin typeface="Tahoma" pitchFamily="34" charset="0"/>
-                <a:ea typeface="Tahoma" pitchFamily="34" charset="0"/>
-                <a:cs typeface="Tahoma" pitchFamily="34" charset="0"/>
-              </a:rPr>
-              <a:t>credentialsData</a:t>
+              <a:t>Minerva </a:t>
             </a:r>
             <a:r>
               <a:rPr lang="en-US" sz="1200" dirty="0" smtClean="0">
@@ -4774,82 +4763,17 @@
                 <a:ea typeface="Tahoma" pitchFamily="34" charset="0"/>
                 <a:cs typeface="Tahoma" pitchFamily="34" charset="0"/>
               </a:rPr>
-              <a:t>), </a:t>
-            </a:r>
-            <a:r>
-              <a:rPr lang="en-US" sz="1200" smtClean="0">
-                <a:latin typeface="Tahoma" pitchFamily="34" charset="0"/>
-                <a:ea typeface="Tahoma" pitchFamily="34" charset="0"/>
-                <a:cs typeface="Tahoma" pitchFamily="34" charset="0"/>
-              </a:rPr>
-              <a:t>Stream reset/disconnection, </a:t>
-            </a:r>
-            <a:r>
-              <a:rPr lang="en-US" sz="1200" dirty="0" smtClean="0">
-                <a:latin typeface="Tahoma" pitchFamily="34" charset="0"/>
-                <a:ea typeface="Tahoma" pitchFamily="34" charset="0"/>
-                <a:cs typeface="Tahoma" pitchFamily="34" charset="0"/>
-              </a:rPr>
-              <a:t>transport implementation details (XHR, Flash Socket).</a:t>
-            </a:r>
-          </a:p>
-        </p:txBody>
-      </p:sp>
-      <p:sp>
-        <p:nvSpPr>
-          <p:cNvPr id="64" name="TextBox 63"/>
-          <p:cNvSpPr txBox="1"/>
-          <p:nvPr/>
-        </p:nvSpPr>
-        <p:spPr>
-          <a:xfrm>
-            <a:off x="152400" y="4648200"/>
-            <a:ext cx="9220200" cy="830997"/>
-          </a:xfrm>
-          <a:prstGeom prst="rect">
-            <a:avLst/>
-          </a:prstGeom>
-          <a:noFill/>
-        </p:spPr>
-        <p:txBody>
-          <a:bodyPr wrap="square" rtlCol="0">
-            <a:spAutoFit/>
-          </a:bodyPr>
-          <a:lstStyle/>
-          <a:p>
-            <a:r>
-              <a:rPr lang="en-US" sz="1200" dirty="0" smtClean="0">
-                <a:latin typeface="Tahoma" pitchFamily="34" charset="0"/>
-                <a:ea typeface="Tahoma" pitchFamily="34" charset="0"/>
-                <a:cs typeface="Tahoma" pitchFamily="34" charset="0"/>
-              </a:rPr>
-              <a:t>For maximum compatibility with current and future transports, and for client-side flow control reasons, Minerva strings are restricted to a range of characters. The range is 0x20 (“ ”) – 0x7E (“~”), allowing these 95 characters (“ ” is first):</a:t>
-            </a:r>
-          </a:p>
-          <a:p>
-            <a:r>
-              <a:rPr lang="en-US" sz="1200" smtClean="0">
-                <a:latin typeface="Courier New" pitchFamily="49" charset="0"/>
-                <a:ea typeface="Tahoma" pitchFamily="34" charset="0"/>
-                <a:cs typeface="Courier New" pitchFamily="49" charset="0"/>
-              </a:rPr>
-              <a:t> </a:t>
-            </a:r>
-            <a:r>
-              <a:rPr lang="en-US" sz="1200" smtClean="0">
-                <a:latin typeface="Courier New" pitchFamily="49" charset="0"/>
-                <a:ea typeface="Tahoma" pitchFamily="34" charset="0"/>
-                <a:cs typeface="Courier New" pitchFamily="49" charset="0"/>
-              </a:rPr>
-              <a:t>!"#$%&amp;'()*+,-./</a:t>
-            </a:r>
+              <a:t>strings are restricted to a range of characters. The range is 0x20 (“ ”) – 0x7E (“~”), allowing these 95 characters (“ ” is first):</a:t>
+            </a:r>
+          </a:p>
+          <a:p>
             <a:r>
               <a:rPr lang="en-US" sz="1200" dirty="0" smtClean="0">
                 <a:latin typeface="Courier New" pitchFamily="49" charset="0"/>
                 <a:ea typeface="Tahoma" pitchFamily="34" charset="0"/>
                 <a:cs typeface="Courier New" pitchFamily="49" charset="0"/>
               </a:rPr>
-              <a:t>0123456789:;&lt;=&gt;?@ABCDEFGHIJKLMNOPQRSTUVWXYZ[\]^_`abcdefghijklmnopqrstuvwxyz{|}~</a:t>
+              <a:t> !"#$%&amp;'()*+,-./0123456789:;&lt;=&gt;?@ABCDEFGHIJKLMNOPQRSTUVWXYZ[\]^_`abcdefghijklmnopqrstuvwxyz{|}~</a:t>
             </a:r>
           </a:p>
           <a:p>
@@ -4866,13 +4790,13 @@
       </p:sp>
       <p:sp>
         <p:nvSpPr>
-          <p:cNvPr id="65" name="Rectangle 64"/>
+          <p:cNvPr id="83" name="Rectangle 82"/>
           <p:cNvSpPr/>
           <p:nvPr/>
         </p:nvSpPr>
         <p:spPr>
           <a:xfrm>
-            <a:off x="2819400" y="1274802"/>
+            <a:off x="2895600" y="628471"/>
             <a:ext cx="1749187" cy="553998"/>
           </a:xfrm>
           <a:prstGeom prst="rect">
@@ -4904,7 +4828,7 @@
     </p:spTree>
     <p:extLst>
       <p:ext uri="{BB962C8B-B14F-4D97-AF65-F5344CB8AC3E}">
-        <p14:creationId xmlns:p14="http://schemas.microsoft.com/office/powerpoint/2010/main" val="1035968365"/>
+        <p14:creationId xmlns:p14="http://schemas.microsoft.com/office/powerpoint/2010/main" val="704349872"/>
       </p:ext>
     </p:extLst>
   </p:cSld>
